--- a/텀프로젝트/텀프로젝트_최종/텀프로젝트_발표_2017112085_이유경.pptx
+++ b/텀프로젝트/텀프로젝트_최종/텀프로젝트_발표_2017112085_이유경.pptx
@@ -12,30 +12,31 @@
     <p:sldId id="258" r:id="rId6"/>
     <p:sldId id="263" r:id="rId7"/>
     <p:sldId id="264" r:id="rId8"/>
-    <p:sldId id="271" r:id="rId9"/>
-    <p:sldId id="272" r:id="rId10"/>
-    <p:sldId id="270" r:id="rId11"/>
+    <p:sldId id="273" r:id="rId9"/>
+    <p:sldId id="271" r:id="rId10"/>
+    <p:sldId id="272" r:id="rId11"/>
+    <p:sldId id="270" r:id="rId12"/>
   </p:sldIdLst>
   <p:sldSz cx="12192000" cy="6858000"/>
   <p:notesSz cx="6858000" cy="9144000"/>
   <p:embeddedFontLst>
     <p:embeddedFont>
       <p:font typeface="a타이틀고딕1" panose="02020600000000000000" pitchFamily="18" charset="-127"/>
-      <p:regular r:id="rId12"/>
+      <p:regular r:id="rId13"/>
     </p:embeddedFont>
     <p:embeddedFont>
       <p:font typeface="a타이틀고딕2" panose="02020600000000000000" pitchFamily="18" charset="-127"/>
-      <p:regular r:id="rId13"/>
+      <p:regular r:id="rId14"/>
     </p:embeddedFont>
     <p:embeddedFont>
       <p:font typeface="나눔바른고딕" panose="020B0603020101020101" pitchFamily="50" charset="-127"/>
-      <p:regular r:id="rId14"/>
-      <p:bold r:id="rId15"/>
+      <p:regular r:id="rId15"/>
+      <p:bold r:id="rId16"/>
     </p:embeddedFont>
     <p:embeddedFont>
       <p:font typeface="맑은 고딕" panose="020B0503020000020004" pitchFamily="50" charset="-127"/>
-      <p:regular r:id="rId16"/>
-      <p:bold r:id="rId17"/>
+      <p:regular r:id="rId17"/>
+      <p:bold r:id="rId18"/>
     </p:embeddedFont>
   </p:embeddedFontLst>
   <p:defaultTextStyle>
@@ -589,7 +590,7 @@
           <a:p>
             <a:fld id="{CEAA9A26-0240-43E6-9804-F0B245EFF89F}" type="datetimeFigureOut">
               <a:rPr lang="ko-KR" altLang="en-US" smtClean="0"/>
-              <a:t>2020-12-14</a:t>
+              <a:t>2020-12-17</a:t>
             </a:fld>
             <a:endParaRPr lang="ko-KR" altLang="en-US"/>
           </a:p>
@@ -787,7 +788,7 @@
           <a:p>
             <a:fld id="{CEAA9A26-0240-43E6-9804-F0B245EFF89F}" type="datetimeFigureOut">
               <a:rPr lang="ko-KR" altLang="en-US" smtClean="0"/>
-              <a:t>2020-12-14</a:t>
+              <a:t>2020-12-17</a:t>
             </a:fld>
             <a:endParaRPr lang="ko-KR" altLang="en-US"/>
           </a:p>
@@ -995,7 +996,7 @@
           <a:p>
             <a:fld id="{CEAA9A26-0240-43E6-9804-F0B245EFF89F}" type="datetimeFigureOut">
               <a:rPr lang="ko-KR" altLang="en-US" smtClean="0"/>
-              <a:t>2020-12-14</a:t>
+              <a:t>2020-12-17</a:t>
             </a:fld>
             <a:endParaRPr lang="ko-KR" altLang="en-US"/>
           </a:p>
@@ -1193,7 +1194,7 @@
           <a:p>
             <a:fld id="{CEAA9A26-0240-43E6-9804-F0B245EFF89F}" type="datetimeFigureOut">
               <a:rPr lang="ko-KR" altLang="en-US" smtClean="0"/>
-              <a:t>2020-12-14</a:t>
+              <a:t>2020-12-17</a:t>
             </a:fld>
             <a:endParaRPr lang="ko-KR" altLang="en-US"/>
           </a:p>
@@ -1468,7 +1469,7 @@
           <a:p>
             <a:fld id="{CEAA9A26-0240-43E6-9804-F0B245EFF89F}" type="datetimeFigureOut">
               <a:rPr lang="ko-KR" altLang="en-US" smtClean="0"/>
-              <a:t>2020-12-14</a:t>
+              <a:t>2020-12-17</a:t>
             </a:fld>
             <a:endParaRPr lang="ko-KR" altLang="en-US"/>
           </a:p>
@@ -1733,7 +1734,7 @@
           <a:p>
             <a:fld id="{CEAA9A26-0240-43E6-9804-F0B245EFF89F}" type="datetimeFigureOut">
               <a:rPr lang="ko-KR" altLang="en-US" smtClean="0"/>
-              <a:t>2020-12-14</a:t>
+              <a:t>2020-12-17</a:t>
             </a:fld>
             <a:endParaRPr lang="ko-KR" altLang="en-US"/>
           </a:p>
@@ -2145,7 +2146,7 @@
           <a:p>
             <a:fld id="{CEAA9A26-0240-43E6-9804-F0B245EFF89F}" type="datetimeFigureOut">
               <a:rPr lang="ko-KR" altLang="en-US" smtClean="0"/>
-              <a:t>2020-12-14</a:t>
+              <a:t>2020-12-17</a:t>
             </a:fld>
             <a:endParaRPr lang="ko-KR" altLang="en-US"/>
           </a:p>
@@ -2286,7 +2287,7 @@
           <a:p>
             <a:fld id="{CEAA9A26-0240-43E6-9804-F0B245EFF89F}" type="datetimeFigureOut">
               <a:rPr lang="ko-KR" altLang="en-US" smtClean="0"/>
-              <a:t>2020-12-14</a:t>
+              <a:t>2020-12-17</a:t>
             </a:fld>
             <a:endParaRPr lang="ko-KR" altLang="en-US"/>
           </a:p>
@@ -2399,7 +2400,7 @@
           <a:p>
             <a:fld id="{CEAA9A26-0240-43E6-9804-F0B245EFF89F}" type="datetimeFigureOut">
               <a:rPr lang="ko-KR" altLang="en-US" smtClean="0"/>
-              <a:t>2020-12-14</a:t>
+              <a:t>2020-12-17</a:t>
             </a:fld>
             <a:endParaRPr lang="ko-KR" altLang="en-US"/>
           </a:p>
@@ -2710,7 +2711,7 @@
           <a:p>
             <a:fld id="{CEAA9A26-0240-43E6-9804-F0B245EFF89F}" type="datetimeFigureOut">
               <a:rPr lang="ko-KR" altLang="en-US" smtClean="0"/>
-              <a:t>2020-12-14</a:t>
+              <a:t>2020-12-17</a:t>
             </a:fld>
             <a:endParaRPr lang="ko-KR" altLang="en-US"/>
           </a:p>
@@ -2998,7 +2999,7 @@
           <a:p>
             <a:fld id="{CEAA9A26-0240-43E6-9804-F0B245EFF89F}" type="datetimeFigureOut">
               <a:rPr lang="ko-KR" altLang="en-US" smtClean="0"/>
-              <a:t>2020-12-14</a:t>
+              <a:t>2020-12-17</a:t>
             </a:fld>
             <a:endParaRPr lang="ko-KR" altLang="en-US"/>
           </a:p>
@@ -3239,7 +3240,7 @@
           <a:p>
             <a:fld id="{CEAA9A26-0240-43E6-9804-F0B245EFF89F}" type="datetimeFigureOut">
               <a:rPr lang="ko-KR" altLang="en-US" smtClean="0"/>
-              <a:t>2020-12-14</a:t>
+              <a:t>2020-12-17</a:t>
             </a:fld>
             <a:endParaRPr lang="ko-KR" altLang="en-US"/>
           </a:p>
@@ -4014,6 +4015,318 @@
       </p:grpSpPr>
       <p:sp>
         <p:nvSpPr>
+          <p:cNvPr id="37" name="TextBox 36">
+            <a:extLst>
+              <a:ext uri="{FF2B5EF4-FFF2-40B4-BE49-F238E27FC236}">
+                <a16:creationId xmlns:a16="http://schemas.microsoft.com/office/drawing/2014/main" id="{82AFD9D6-6066-43E5-9885-318816B01BFA}"/>
+              </a:ext>
+            </a:extLst>
+          </p:cNvPr>
+          <p:cNvSpPr txBox="1"/>
+          <p:nvPr/>
+        </p:nvSpPr>
+        <p:spPr>
+          <a:xfrm>
+            <a:off x="372879" y="297032"/>
+            <a:ext cx="4332261" cy="1200329"/>
+          </a:xfrm>
+          <a:prstGeom prst="rect">
+            <a:avLst/>
+          </a:prstGeom>
+          <a:noFill/>
+        </p:spPr>
+        <p:txBody>
+          <a:bodyPr wrap="square" rtlCol="0">
+            <a:spAutoFit/>
+          </a:bodyPr>
+          <a:lstStyle/>
+          <a:p>
+            <a:r>
+              <a:rPr lang="ko-KR" altLang="en-US" sz="3600" dirty="0">
+                <a:solidFill>
+                  <a:schemeClr val="tx1">
+                    <a:lumMod val="75000"/>
+                    <a:lumOff val="25000"/>
+                  </a:schemeClr>
+                </a:solidFill>
+                <a:latin typeface="나눔바른고딕" panose="020B0603020101020101" pitchFamily="50" charset="-127"/>
+                <a:ea typeface="나눔바른고딕" panose="020B0603020101020101" pitchFamily="50" charset="-127"/>
+              </a:rPr>
+              <a:t>시스템 구현 </a:t>
+            </a:r>
+            <a:endParaRPr lang="en-US" altLang="ko-KR" sz="3600" dirty="0">
+              <a:solidFill>
+                <a:schemeClr val="tx1">
+                  <a:lumMod val="75000"/>
+                  <a:lumOff val="25000"/>
+                </a:schemeClr>
+              </a:solidFill>
+              <a:latin typeface="나눔바른고딕" panose="020B0603020101020101" pitchFamily="50" charset="-127"/>
+              <a:ea typeface="나눔바른고딕" panose="020B0603020101020101" pitchFamily="50" charset="-127"/>
+            </a:endParaRPr>
+          </a:p>
+          <a:p>
+            <a:r>
+              <a:rPr lang="ko-KR" altLang="en-US" sz="3600" dirty="0">
+                <a:solidFill>
+                  <a:schemeClr val="tx1">
+                    <a:lumMod val="75000"/>
+                    <a:lumOff val="25000"/>
+                  </a:schemeClr>
+                </a:solidFill>
+                <a:latin typeface="나눔바른고딕" panose="020B0603020101020101" pitchFamily="50" charset="-127"/>
+                <a:ea typeface="나눔바른고딕" panose="020B0603020101020101" pitchFamily="50" charset="-127"/>
+              </a:rPr>
+              <a:t>예</a:t>
+            </a:r>
+            <a:r>
+              <a:rPr lang="en-US" altLang="ko-KR" sz="3600" dirty="0">
+                <a:solidFill>
+                  <a:schemeClr val="tx1">
+                    <a:lumMod val="75000"/>
+                    <a:lumOff val="25000"/>
+                  </a:schemeClr>
+                </a:solidFill>
+                <a:latin typeface="나눔바른고딕" panose="020B0603020101020101" pitchFamily="50" charset="-127"/>
+                <a:ea typeface="나눔바른고딕" panose="020B0603020101020101" pitchFamily="50" charset="-127"/>
+              </a:rPr>
+              <a:t>)</a:t>
+            </a:r>
+            <a:endParaRPr lang="ko-KR" altLang="en-US" sz="3600" dirty="0">
+              <a:solidFill>
+                <a:schemeClr val="tx1">
+                  <a:lumMod val="75000"/>
+                  <a:lumOff val="25000"/>
+                </a:schemeClr>
+              </a:solidFill>
+              <a:latin typeface="나눔바른고딕" panose="020B0603020101020101" pitchFamily="50" charset="-127"/>
+              <a:ea typeface="나눔바른고딕" panose="020B0603020101020101" pitchFamily="50" charset="-127"/>
+            </a:endParaRPr>
+          </a:p>
+        </p:txBody>
+      </p:sp>
+      <p:pic>
+        <p:nvPicPr>
+          <p:cNvPr id="8" name="그림 7">
+            <a:extLst>
+              <a:ext uri="{FF2B5EF4-FFF2-40B4-BE49-F238E27FC236}">
+                <a16:creationId xmlns:a16="http://schemas.microsoft.com/office/drawing/2014/main" id="{FD719E16-FEF2-43B9-81D0-473CDD0CCC70}"/>
+              </a:ext>
+            </a:extLst>
+          </p:cNvPr>
+          <p:cNvPicPr/>
+          <p:nvPr/>
+        </p:nvPicPr>
+        <p:blipFill>
+          <a:blip r:embed="rId2"/>
+          <a:stretch>
+            <a:fillRect/>
+          </a:stretch>
+        </p:blipFill>
+        <p:spPr>
+          <a:xfrm>
+            <a:off x="3333750" y="3643905"/>
+            <a:ext cx="5524500" cy="2238375"/>
+          </a:xfrm>
+          <a:prstGeom prst="rect">
+            <a:avLst/>
+          </a:prstGeom>
+        </p:spPr>
+      </p:pic>
+      <p:sp>
+        <p:nvSpPr>
+          <p:cNvPr id="9" name="TextBox 8">
+            <a:extLst>
+              <a:ext uri="{FF2B5EF4-FFF2-40B4-BE49-F238E27FC236}">
+                <a16:creationId xmlns:a16="http://schemas.microsoft.com/office/drawing/2014/main" id="{68434778-32F7-4408-9F53-C6BCF25698E2}"/>
+              </a:ext>
+            </a:extLst>
+          </p:cNvPr>
+          <p:cNvSpPr txBox="1"/>
+          <p:nvPr/>
+        </p:nvSpPr>
+        <p:spPr>
+          <a:xfrm>
+            <a:off x="3898247" y="975720"/>
+            <a:ext cx="4395505" cy="369332"/>
+          </a:xfrm>
+          <a:prstGeom prst="rect">
+            <a:avLst/>
+          </a:prstGeom>
+          <a:noFill/>
+        </p:spPr>
+        <p:txBody>
+          <a:bodyPr wrap="square" rtlCol="0">
+            <a:spAutoFit/>
+          </a:bodyPr>
+          <a:lstStyle/>
+          <a:p>
+            <a:pPr algn="ctr"/>
+            <a:r>
+              <a:rPr lang="ko-KR" altLang="en-US" dirty="0">
+                <a:latin typeface="a타이틀고딕1" panose="02020600000000000000" pitchFamily="18" charset="-127"/>
+                <a:ea typeface="a타이틀고딕1" panose="02020600000000000000" pitchFamily="18" charset="-127"/>
+              </a:rPr>
+              <a:t>버스 운행에서 </a:t>
+            </a:r>
+            <a:r>
+              <a:rPr lang="en-US" altLang="ko-KR" dirty="0">
+                <a:latin typeface="a타이틀고딕1" panose="02020600000000000000" pitchFamily="18" charset="-127"/>
+                <a:ea typeface="a타이틀고딕1" panose="02020600000000000000" pitchFamily="18" charset="-127"/>
+              </a:rPr>
+              <a:t>A01 </a:t>
+            </a:r>
+            <a:r>
+              <a:rPr lang="ko-KR" altLang="en-US" dirty="0">
+                <a:latin typeface="a타이틀고딕1" panose="02020600000000000000" pitchFamily="18" charset="-127"/>
+                <a:ea typeface="a타이틀고딕1" panose="02020600000000000000" pitchFamily="18" charset="-127"/>
+              </a:rPr>
+              <a:t>셔틀버스 </a:t>
+            </a:r>
+            <a:r>
+              <a:rPr lang="en-US" altLang="ko-KR" dirty="0">
+                <a:latin typeface="a타이틀고딕1" panose="02020600000000000000" pitchFamily="18" charset="-127"/>
+                <a:ea typeface="a타이틀고딕1" panose="02020600000000000000" pitchFamily="18" charset="-127"/>
+              </a:rPr>
+              <a:t>1</a:t>
+            </a:r>
+            <a:r>
+              <a:rPr lang="ko-KR" altLang="en-US" dirty="0">
+                <a:latin typeface="a타이틀고딕1" panose="02020600000000000000" pitchFamily="18" charset="-127"/>
+                <a:ea typeface="a타이틀고딕1" panose="02020600000000000000" pitchFamily="18" charset="-127"/>
+              </a:rPr>
+              <a:t>명 추가</a:t>
+            </a:r>
+          </a:p>
+        </p:txBody>
+      </p:sp>
+      <p:pic>
+        <p:nvPicPr>
+          <p:cNvPr id="10" name="그림 9">
+            <a:extLst>
+              <a:ext uri="{FF2B5EF4-FFF2-40B4-BE49-F238E27FC236}">
+                <a16:creationId xmlns:a16="http://schemas.microsoft.com/office/drawing/2014/main" id="{8F3A2DA3-1DB0-48BD-8436-0DC85199A1A5}"/>
+              </a:ext>
+            </a:extLst>
+          </p:cNvPr>
+          <p:cNvPicPr/>
+          <p:nvPr/>
+        </p:nvPicPr>
+        <p:blipFill>
+          <a:blip r:embed="rId3"/>
+          <a:stretch>
+            <a:fillRect/>
+          </a:stretch>
+        </p:blipFill>
+        <p:spPr>
+          <a:xfrm>
+            <a:off x="3443939" y="1497361"/>
+            <a:ext cx="5019675" cy="1295400"/>
+          </a:xfrm>
+          <a:prstGeom prst="rect">
+            <a:avLst/>
+          </a:prstGeom>
+        </p:spPr>
+      </p:pic>
+      <p:sp>
+        <p:nvSpPr>
+          <p:cNvPr id="2" name="화살표: 아래쪽 1">
+            <a:extLst>
+              <a:ext uri="{FF2B5EF4-FFF2-40B4-BE49-F238E27FC236}">
+                <a16:creationId xmlns:a16="http://schemas.microsoft.com/office/drawing/2014/main" id="{535116E9-6C77-4CDC-91CD-6ECA84CE22E1}"/>
+              </a:ext>
+            </a:extLst>
+          </p:cNvPr>
+          <p:cNvSpPr/>
+          <p:nvPr/>
+        </p:nvSpPr>
+        <p:spPr>
+          <a:xfrm>
+            <a:off x="5433658" y="2977673"/>
+            <a:ext cx="1040235" cy="481320"/>
+          </a:xfrm>
+          <a:prstGeom prst="downArrow">
+            <a:avLst/>
+          </a:prstGeom>
+        </p:spPr>
+        <p:style>
+          <a:lnRef idx="2">
+            <a:schemeClr val="accent1">
+              <a:shade val="50000"/>
+            </a:schemeClr>
+          </a:lnRef>
+          <a:fillRef idx="1">
+            <a:schemeClr val="accent1"/>
+          </a:fillRef>
+          <a:effectRef idx="0">
+            <a:schemeClr val="accent1"/>
+          </a:effectRef>
+          <a:fontRef idx="minor">
+            <a:schemeClr val="lt1"/>
+          </a:fontRef>
+        </p:style>
+        <p:txBody>
+          <a:bodyPr rtlCol="0" anchor="ctr"/>
+          <a:lstStyle/>
+          <a:p>
+            <a:pPr algn="ctr"/>
+            <a:endParaRPr lang="ko-KR" altLang="en-US"/>
+          </a:p>
+        </p:txBody>
+      </p:sp>
+    </p:spTree>
+    <p:extLst>
+      <p:ext uri="{BB962C8B-B14F-4D97-AF65-F5344CB8AC3E}">
+        <p14:creationId xmlns:p14="http://schemas.microsoft.com/office/powerpoint/2010/main" val="3848321911"/>
+      </p:ext>
+    </p:extLst>
+  </p:cSld>
+  <p:clrMapOvr>
+    <a:masterClrMapping/>
+  </p:clrMapOvr>
+</p:sld>
+</file>
+
+<file path=ppt/slides/slide11.xml><?xml version="1.0" encoding="utf-8"?>
+<p:sld xmlns:a="http://schemas.openxmlformats.org/drawingml/2006/main" xmlns:r="http://schemas.openxmlformats.org/officeDocument/2006/relationships" xmlns:p="http://schemas.openxmlformats.org/presentationml/2006/main">
+  <p:cSld>
+    <p:bg>
+      <p:bgPr>
+        <a:gradFill>
+          <a:gsLst>
+            <a:gs pos="0">
+              <a:schemeClr val="accent1">
+                <a:lumMod val="5000"/>
+                <a:lumOff val="95000"/>
+              </a:schemeClr>
+            </a:gs>
+            <a:gs pos="100000">
+              <a:schemeClr val="bg1">
+                <a:lumMod val="85000"/>
+              </a:schemeClr>
+            </a:gs>
+          </a:gsLst>
+          <a:lin ang="5400000" scaled="1"/>
+        </a:gradFill>
+        <a:effectLst/>
+      </p:bgPr>
+    </p:bg>
+    <p:spTree>
+      <p:nvGrpSpPr>
+        <p:cNvPr id="1" name=""/>
+        <p:cNvGrpSpPr/>
+        <p:nvPr/>
+      </p:nvGrpSpPr>
+      <p:grpSpPr>
+        <a:xfrm>
+          <a:off x="0" y="0"/>
+          <a:ext cx="0" cy="0"/>
+          <a:chOff x="0" y="0"/>
+          <a:chExt cx="0" cy="0"/>
+        </a:xfrm>
+      </p:grpSpPr>
+      <p:sp>
+        <p:nvSpPr>
           <p:cNvPr id="4" name="직사각형 3">
             <a:extLst>
               <a:ext uri="{FF2B5EF4-FFF2-40B4-BE49-F238E27FC236}">
@@ -4511,7 +4824,7 @@
                     <a:latin typeface="나눔바른고딕" panose="020B0603020101020101" pitchFamily="50" charset="-127"/>
                     <a:ea typeface="나눔바른고딕" panose="020B0603020101020101" pitchFamily="50" charset="-127"/>
                   </a:rPr>
-                  <a:t>시스템구형</a:t>
+                  <a:t>시스템구현</a:t>
                 </a:r>
               </a:p>
             </p:txBody>
@@ -5883,7 +6196,7 @@
                 <a:latin typeface="a타이틀고딕2" panose="02020600000000000000" pitchFamily="18" charset="-127"/>
                 <a:ea typeface="a타이틀고딕2" panose="02020600000000000000" pitchFamily="18" charset="-127"/>
               </a:rPr>
-              <a:t>03. E-R </a:t>
+              <a:t> E-R </a:t>
             </a:r>
             <a:r>
               <a:rPr lang="ko-KR" altLang="en-US" sz="2800" dirty="0">
@@ -6528,8 +6841,8 @@
           </a:prstGeom>
         </p:spPr>
       </p:pic>
-      <mc:AlternateContent xmlns:mc="http://schemas.openxmlformats.org/markup-compatibility/2006">
-        <mc:Choice xmlns:p14="http://schemas.microsoft.com/office/powerpoint/2010/main" Requires="p14">
+      <mc:AlternateContent xmlns:mc="http://schemas.openxmlformats.org/markup-compatibility/2006" xmlns:p14="http://schemas.microsoft.com/office/powerpoint/2010/main">
+        <mc:Choice Requires="p14">
           <p:contentPart p14:bwMode="auto" r:id="rId6">
             <p14:nvContentPartPr>
               <p14:cNvPr id="18" name="잉크 17">
@@ -6548,7 +6861,7 @@
             </p14:xfrm>
           </p:contentPart>
         </mc:Choice>
-        <mc:Fallback>
+        <mc:Fallback xmlns="">
           <p:pic>
             <p:nvPicPr>
               <p:cNvPr id="18" name="잉크 17">
@@ -6579,8 +6892,8 @@
           </p:pic>
         </mc:Fallback>
       </mc:AlternateContent>
-      <mc:AlternateContent xmlns:mc="http://schemas.openxmlformats.org/markup-compatibility/2006">
-        <mc:Choice xmlns:p14="http://schemas.microsoft.com/office/powerpoint/2010/main" Requires="p14">
+      <mc:AlternateContent xmlns:mc="http://schemas.openxmlformats.org/markup-compatibility/2006" xmlns:p14="http://schemas.microsoft.com/office/powerpoint/2010/main">
+        <mc:Choice Requires="p14">
           <p:contentPart p14:bwMode="auto" r:id="rId8">
             <p14:nvContentPartPr>
               <p14:cNvPr id="19" name="잉크 18">
@@ -6599,7 +6912,7 @@
             </p14:xfrm>
           </p:contentPart>
         </mc:Choice>
-        <mc:Fallback>
+        <mc:Fallback xmlns="">
           <p:pic>
             <p:nvPicPr>
               <p:cNvPr id="19" name="잉크 18">
@@ -6720,8 +7033,8 @@
           </a:prstGeom>
         </p:spPr>
       </p:pic>
-      <mc:AlternateContent xmlns:mc="http://schemas.openxmlformats.org/markup-compatibility/2006">
-        <mc:Choice xmlns:p14="http://schemas.microsoft.com/office/powerpoint/2010/main" Requires="p14">
+      <mc:AlternateContent xmlns:mc="http://schemas.openxmlformats.org/markup-compatibility/2006" xmlns:p14="http://schemas.microsoft.com/office/powerpoint/2010/main">
+        <mc:Choice Requires="p14">
           <p:contentPart p14:bwMode="auto" r:id="rId13">
             <p14:nvContentPartPr>
               <p14:cNvPr id="25" name="잉크 24">
@@ -6740,7 +7053,7 @@
             </p14:xfrm>
           </p:contentPart>
         </mc:Choice>
-        <mc:Fallback>
+        <mc:Fallback xmlns="">
           <p:pic>
             <p:nvPicPr>
               <p:cNvPr id="25" name="잉크 24">
@@ -6771,8 +7084,8 @@
           </p:pic>
         </mc:Fallback>
       </mc:AlternateContent>
-      <mc:AlternateContent xmlns:mc="http://schemas.openxmlformats.org/markup-compatibility/2006">
-        <mc:Choice xmlns:p14="http://schemas.microsoft.com/office/powerpoint/2010/main" Requires="p14">
+      <mc:AlternateContent xmlns:mc="http://schemas.openxmlformats.org/markup-compatibility/2006" xmlns:p14="http://schemas.microsoft.com/office/powerpoint/2010/main">
+        <mc:Choice Requires="p14">
           <p:contentPart p14:bwMode="auto" r:id="rId15">
             <p14:nvContentPartPr>
               <p14:cNvPr id="32" name="잉크 31">
@@ -6791,7 +7104,7 @@
             </p14:xfrm>
           </p:contentPart>
         </mc:Choice>
-        <mc:Fallback>
+        <mc:Fallback xmlns="">
           <p:pic>
             <p:nvPicPr>
               <p:cNvPr id="32" name="잉크 31">
@@ -7210,16 +7523,12 @@
           <a:lstStyle/>
           <a:p>
             <a:r>
-              <a:rPr lang="ko-KR" altLang="en-US">
+              <a:rPr lang="ko-KR" altLang="en-US" dirty="0">
                 <a:latin typeface="a타이틀고딕1" panose="02020600000000000000" pitchFamily="18" charset="-127"/>
                 <a:ea typeface="a타이틀고딕1" panose="02020600000000000000" pitchFamily="18" charset="-127"/>
               </a:rPr>
               <a:t>강사</a:t>
             </a:r>
-            <a:endParaRPr lang="ko-KR" altLang="en-US" dirty="0">
-              <a:latin typeface="a타이틀고딕1" panose="02020600000000000000" pitchFamily="18" charset="-127"/>
-              <a:ea typeface="a타이틀고딕1" panose="02020600000000000000" pitchFamily="18" charset="-127"/>
-            </a:endParaRPr>
           </a:p>
         </p:txBody>
       </p:sp>
@@ -7456,6 +7765,162 @@
               </a:rPr>
               <a:t>수강프로그램</a:t>
             </a:r>
+          </a:p>
+        </p:txBody>
+      </p:sp>
+      <p:sp>
+        <p:nvSpPr>
+          <p:cNvPr id="22" name="TextBox 21">
+            <a:extLst>
+              <a:ext uri="{FF2B5EF4-FFF2-40B4-BE49-F238E27FC236}">
+                <a16:creationId xmlns:a16="http://schemas.microsoft.com/office/drawing/2014/main" id="{000966F4-A25A-43E1-82A8-F410B6478F76}"/>
+              </a:ext>
+            </a:extLst>
+          </p:cNvPr>
+          <p:cNvSpPr txBox="1"/>
+          <p:nvPr/>
+        </p:nvSpPr>
+        <p:spPr>
+          <a:xfrm>
+            <a:off x="3230244" y="334196"/>
+            <a:ext cx="6529575" cy="646331"/>
+          </a:xfrm>
+          <a:prstGeom prst="rect">
+            <a:avLst/>
+          </a:prstGeom>
+          <a:noFill/>
+        </p:spPr>
+        <p:txBody>
+          <a:bodyPr wrap="square" rtlCol="0">
+            <a:spAutoFit/>
+          </a:bodyPr>
+          <a:lstStyle/>
+          <a:p>
+            <a:r>
+              <a:rPr lang="ko-KR" altLang="en-US" dirty="0">
+                <a:latin typeface="a타이틀고딕1" panose="02020600000000000000" pitchFamily="18" charset="-127"/>
+                <a:ea typeface="a타이틀고딕1" panose="02020600000000000000" pitchFamily="18" charset="-127"/>
+              </a:rPr>
+              <a:t>데이터 등록 </a:t>
+            </a:r>
+            <a:r>
+              <a:rPr lang="en-US" altLang="ko-KR" dirty="0">
+                <a:latin typeface="a타이틀고딕1" panose="02020600000000000000" pitchFamily="18" charset="-127"/>
+                <a:ea typeface="a타이틀고딕1" panose="02020600000000000000" pitchFamily="18" charset="-127"/>
+              </a:rPr>
+              <a:t>: INSERT INTO </a:t>
+            </a:r>
+            <a:r>
+              <a:rPr lang="ko-KR" altLang="en-US" dirty="0">
+                <a:latin typeface="a타이틀고딕1" panose="02020600000000000000" pitchFamily="18" charset="-127"/>
+                <a:ea typeface="a타이틀고딕1" panose="02020600000000000000" pitchFamily="18" charset="-127"/>
+              </a:rPr>
+              <a:t>테이블명 </a:t>
+            </a:r>
+            <a:r>
+              <a:rPr lang="en-US" altLang="ko-KR" dirty="0">
+                <a:latin typeface="a타이틀고딕1" panose="02020600000000000000" pitchFamily="18" charset="-127"/>
+                <a:ea typeface="a타이틀고딕1" panose="02020600000000000000" pitchFamily="18" charset="-127"/>
+              </a:rPr>
+              <a:t>VALUES (~~,~~,~~,~~);</a:t>
+            </a:r>
+          </a:p>
+          <a:p>
+            <a:r>
+              <a:rPr lang="en-US" altLang="ko-KR" dirty="0">
+                <a:latin typeface="a타이틀고딕1" panose="02020600000000000000" pitchFamily="18" charset="-127"/>
+                <a:ea typeface="a타이틀고딕1" panose="02020600000000000000" pitchFamily="18" charset="-127"/>
+              </a:rPr>
+              <a:t>(ex: </a:t>
+            </a:r>
+            <a:r>
+              <a:rPr lang="ko-KR" altLang="en-US" dirty="0">
+                <a:latin typeface="a타이틀고딕1" panose="02020600000000000000" pitchFamily="18" charset="-127"/>
+                <a:ea typeface="a타이틀고딕1" panose="02020600000000000000" pitchFamily="18" charset="-127"/>
+              </a:rPr>
+              <a:t>강사</a:t>
+            </a:r>
+            <a:r>
+              <a:rPr lang="en-US" altLang="ko-KR" dirty="0">
+                <a:latin typeface="a타이틀고딕1" panose="02020600000000000000" pitchFamily="18" charset="-127"/>
+                <a:ea typeface="a타이틀고딕1" panose="02020600000000000000" pitchFamily="18" charset="-127"/>
+              </a:rPr>
+              <a:t>, </a:t>
+            </a:r>
+            <a:r>
+              <a:rPr lang="ko-KR" altLang="en-US" dirty="0">
+                <a:latin typeface="a타이틀고딕1" panose="02020600000000000000" pitchFamily="18" charset="-127"/>
+                <a:ea typeface="a타이틀고딕1" panose="02020600000000000000" pitchFamily="18" charset="-127"/>
+              </a:rPr>
+              <a:t>프로그램</a:t>
+            </a:r>
+            <a:r>
+              <a:rPr lang="en-US" altLang="ko-KR" dirty="0">
+                <a:latin typeface="a타이틀고딕1" panose="02020600000000000000" pitchFamily="18" charset="-127"/>
+                <a:ea typeface="a타이틀고딕1" panose="02020600000000000000" pitchFamily="18" charset="-127"/>
+              </a:rPr>
+              <a:t>, </a:t>
+            </a:r>
+            <a:r>
+              <a:rPr lang="ko-KR" altLang="en-US" dirty="0">
+                <a:latin typeface="a타이틀고딕1" panose="02020600000000000000" pitchFamily="18" charset="-127"/>
+                <a:ea typeface="a타이틀고딕1" panose="02020600000000000000" pitchFamily="18" charset="-127"/>
+              </a:rPr>
+              <a:t>고객센터직원</a:t>
+            </a:r>
+            <a:r>
+              <a:rPr lang="en-US" altLang="ko-KR" dirty="0">
+                <a:latin typeface="a타이틀고딕1" panose="02020600000000000000" pitchFamily="18" charset="-127"/>
+                <a:ea typeface="a타이틀고딕1" panose="02020600000000000000" pitchFamily="18" charset="-127"/>
+              </a:rPr>
+              <a:t>, </a:t>
+            </a:r>
+            <a:r>
+              <a:rPr lang="ko-KR" altLang="en-US" dirty="0">
+                <a:latin typeface="a타이틀고딕1" panose="02020600000000000000" pitchFamily="18" charset="-127"/>
+                <a:ea typeface="a타이틀고딕1" panose="02020600000000000000" pitchFamily="18" charset="-127"/>
+              </a:rPr>
+              <a:t>회원</a:t>
+            </a:r>
+            <a:r>
+              <a:rPr lang="en-US" altLang="ko-KR" dirty="0">
+                <a:latin typeface="a타이틀고딕1" panose="02020600000000000000" pitchFamily="18" charset="-127"/>
+                <a:ea typeface="a타이틀고딕1" panose="02020600000000000000" pitchFamily="18" charset="-127"/>
+              </a:rPr>
+              <a:t>, </a:t>
+            </a:r>
+            <a:r>
+              <a:rPr lang="ko-KR" altLang="en-US" dirty="0">
+                <a:latin typeface="a타이틀고딕1" panose="02020600000000000000" pitchFamily="18" charset="-127"/>
+                <a:ea typeface="a타이틀고딕1" panose="02020600000000000000" pitchFamily="18" charset="-127"/>
+              </a:rPr>
+              <a:t>사물함</a:t>
+            </a:r>
+            <a:r>
+              <a:rPr lang="en-US" altLang="ko-KR" dirty="0">
+                <a:latin typeface="a타이틀고딕1" panose="02020600000000000000" pitchFamily="18" charset="-127"/>
+                <a:ea typeface="a타이틀고딕1" panose="02020600000000000000" pitchFamily="18" charset="-127"/>
+              </a:rPr>
+              <a:t>, </a:t>
+            </a:r>
+            <a:r>
+              <a:rPr lang="ko-KR" altLang="en-US" dirty="0">
+                <a:latin typeface="a타이틀고딕1" panose="02020600000000000000" pitchFamily="18" charset="-127"/>
+                <a:ea typeface="a타이틀고딕1" panose="02020600000000000000" pitchFamily="18" charset="-127"/>
+              </a:rPr>
+              <a:t>셔틀버스 추가 등등</a:t>
+            </a:r>
+            <a:r>
+              <a:rPr lang="en-US" altLang="ko-KR" dirty="0">
+                <a:latin typeface="a타이틀고딕1" panose="02020600000000000000" pitchFamily="18" charset="-127"/>
+                <a:ea typeface="a타이틀고딕1" panose="02020600000000000000" pitchFamily="18" charset="-127"/>
+              </a:rPr>
+              <a:t>)</a:t>
+            </a:r>
+            <a:endParaRPr lang="ko-KR" altLang="en-US" dirty="0">
+              <a:latin typeface="a타이틀고딕1" panose="02020600000000000000" pitchFamily="18" charset="-127"/>
+              <a:ea typeface="a타이틀고딕1" panose="02020600000000000000" pitchFamily="18" charset="-127"/>
+            </a:endParaRPr>
           </a:p>
         </p:txBody>
       </p:sp>
@@ -8039,27 +8504,206 @@
           </a:p>
         </p:txBody>
       </p:sp>
+      <p:sp>
+        <p:nvSpPr>
+          <p:cNvPr id="15" name="TextBox 14">
+            <a:extLst>
+              <a:ext uri="{FF2B5EF4-FFF2-40B4-BE49-F238E27FC236}">
+                <a16:creationId xmlns:a16="http://schemas.microsoft.com/office/drawing/2014/main" id="{9344629B-2321-4B35-BE7F-98E3ECEB9448}"/>
+              </a:ext>
+            </a:extLst>
+          </p:cNvPr>
+          <p:cNvSpPr txBox="1"/>
+          <p:nvPr/>
+        </p:nvSpPr>
+        <p:spPr>
+          <a:xfrm>
+            <a:off x="441302" y="2355373"/>
+            <a:ext cx="4395505" cy="646331"/>
+          </a:xfrm>
+          <a:prstGeom prst="rect">
+            <a:avLst/>
+          </a:prstGeom>
+          <a:noFill/>
+        </p:spPr>
+        <p:txBody>
+          <a:bodyPr wrap="square" rtlCol="0">
+            <a:spAutoFit/>
+          </a:bodyPr>
+          <a:lstStyle/>
+          <a:p>
+            <a:pPr algn="ctr"/>
+            <a:r>
+              <a:rPr lang="ko-KR" altLang="en-US" dirty="0">
+                <a:latin typeface="a타이틀고딕1" panose="02020600000000000000" pitchFamily="18" charset="-127"/>
+                <a:ea typeface="a타이틀고딕1" panose="02020600000000000000" pitchFamily="18" charset="-127"/>
+              </a:rPr>
+              <a:t>프로그램 </a:t>
+            </a:r>
+            <a:r>
+              <a:rPr lang="ko-KR" altLang="en-US" dirty="0" err="1">
+                <a:latin typeface="a타이틀고딕1" panose="02020600000000000000" pitchFamily="18" charset="-127"/>
+                <a:ea typeface="a타이틀고딕1" panose="02020600000000000000" pitchFamily="18" charset="-127"/>
+              </a:rPr>
+              <a:t>강의요일과</a:t>
+            </a:r>
+            <a:r>
+              <a:rPr lang="ko-KR" altLang="en-US" dirty="0">
+                <a:latin typeface="a타이틀고딕1" panose="02020600000000000000" pitchFamily="18" charset="-127"/>
+                <a:ea typeface="a타이틀고딕1" panose="02020600000000000000" pitchFamily="18" charset="-127"/>
+              </a:rPr>
+              <a:t> 시간을 검색</a:t>
+            </a:r>
+            <a:endParaRPr lang="en-US" altLang="ko-KR" dirty="0">
+              <a:latin typeface="a타이틀고딕1" panose="02020600000000000000" pitchFamily="18" charset="-127"/>
+              <a:ea typeface="a타이틀고딕1" panose="02020600000000000000" pitchFamily="18" charset="-127"/>
+            </a:endParaRPr>
+          </a:p>
+          <a:p>
+            <a:pPr algn="ctr"/>
+            <a:r>
+              <a:rPr lang="en-US" altLang="ko-KR" dirty="0">
+                <a:latin typeface="a타이틀고딕1" panose="02020600000000000000" pitchFamily="18" charset="-127"/>
+                <a:ea typeface="a타이틀고딕1" panose="02020600000000000000" pitchFamily="18" charset="-127"/>
+              </a:rPr>
+              <a:t>(‘</a:t>
+            </a:r>
+            <a:r>
+              <a:rPr lang="ko-KR" altLang="en-US" dirty="0" err="1">
+                <a:latin typeface="a타이틀고딕1" panose="02020600000000000000" pitchFamily="18" charset="-127"/>
+                <a:ea typeface="a타이틀고딕1" panose="02020600000000000000" pitchFamily="18" charset="-127"/>
+              </a:rPr>
+              <a:t>초급필라테스</a:t>
+            </a:r>
+            <a:r>
+              <a:rPr lang="en-US" altLang="ko-KR" dirty="0">
+                <a:latin typeface="a타이틀고딕1" panose="02020600000000000000" pitchFamily="18" charset="-127"/>
+                <a:ea typeface="a타이틀고딕1" panose="02020600000000000000" pitchFamily="18" charset="-127"/>
+              </a:rPr>
+              <a:t>’</a:t>
+            </a:r>
+            <a:r>
+              <a:rPr lang="ko-KR" altLang="en-US" dirty="0">
+                <a:latin typeface="a타이틀고딕1" panose="02020600000000000000" pitchFamily="18" charset="-127"/>
+                <a:ea typeface="a타이틀고딕1" panose="02020600000000000000" pitchFamily="18" charset="-127"/>
+              </a:rPr>
+              <a:t>의 </a:t>
+            </a:r>
+            <a:r>
+              <a:rPr lang="ko-KR" altLang="en-US" dirty="0" err="1">
+                <a:latin typeface="a타이틀고딕1" panose="02020600000000000000" pitchFamily="18" charset="-127"/>
+                <a:ea typeface="a타이틀고딕1" panose="02020600000000000000" pitchFamily="18" charset="-127"/>
+              </a:rPr>
+              <a:t>강의요일과</a:t>
+            </a:r>
+            <a:r>
+              <a:rPr lang="ko-KR" altLang="en-US" dirty="0">
+                <a:latin typeface="a타이틀고딕1" panose="02020600000000000000" pitchFamily="18" charset="-127"/>
+                <a:ea typeface="a타이틀고딕1" panose="02020600000000000000" pitchFamily="18" charset="-127"/>
+              </a:rPr>
+              <a:t> 강의시간 검색</a:t>
+            </a:r>
+            <a:r>
+              <a:rPr lang="en-US" altLang="ko-KR" dirty="0">
+                <a:latin typeface="a타이틀고딕1" panose="02020600000000000000" pitchFamily="18" charset="-127"/>
+                <a:ea typeface="a타이틀고딕1" panose="02020600000000000000" pitchFamily="18" charset="-127"/>
+              </a:rPr>
+              <a:t>)</a:t>
+            </a:r>
+          </a:p>
+        </p:txBody>
+      </p:sp>
+      <p:sp>
+        <p:nvSpPr>
+          <p:cNvPr id="14" name="TextBox 13">
+            <a:extLst>
+              <a:ext uri="{FF2B5EF4-FFF2-40B4-BE49-F238E27FC236}">
+                <a16:creationId xmlns:a16="http://schemas.microsoft.com/office/drawing/2014/main" id="{79D2636D-3A8A-45DF-B62C-BA16EB5D5B6C}"/>
+              </a:ext>
+            </a:extLst>
+          </p:cNvPr>
+          <p:cNvSpPr txBox="1"/>
+          <p:nvPr/>
+        </p:nvSpPr>
+        <p:spPr>
+          <a:xfrm>
+            <a:off x="309635" y="4179461"/>
+            <a:ext cx="4395505" cy="646331"/>
+          </a:xfrm>
+          <a:prstGeom prst="rect">
+            <a:avLst/>
+          </a:prstGeom>
+          <a:noFill/>
+        </p:spPr>
+        <p:txBody>
+          <a:bodyPr wrap="square" rtlCol="0">
+            <a:spAutoFit/>
+          </a:bodyPr>
+          <a:lstStyle/>
+          <a:p>
+            <a:pPr algn="ctr"/>
+            <a:r>
+              <a:rPr lang="ko-KR" altLang="en-US" dirty="0">
+                <a:latin typeface="a타이틀고딕1" panose="02020600000000000000" pitchFamily="18" charset="-127"/>
+                <a:ea typeface="a타이틀고딕1" panose="02020600000000000000" pitchFamily="18" charset="-127"/>
+              </a:rPr>
+              <a:t>버스 정원과 현재 신청 인원 조회</a:t>
+            </a:r>
+            <a:endParaRPr lang="en-US" altLang="ko-KR" dirty="0">
+              <a:latin typeface="a타이틀고딕1" panose="02020600000000000000" pitchFamily="18" charset="-127"/>
+              <a:ea typeface="a타이틀고딕1" panose="02020600000000000000" pitchFamily="18" charset="-127"/>
+            </a:endParaRPr>
+          </a:p>
+          <a:p>
+            <a:pPr algn="ctr"/>
+            <a:r>
+              <a:rPr lang="en-US" altLang="ko-KR" dirty="0">
+                <a:latin typeface="a타이틀고딕1" panose="02020600000000000000" pitchFamily="18" charset="-127"/>
+                <a:ea typeface="a타이틀고딕1" panose="02020600000000000000" pitchFamily="18" charset="-127"/>
+              </a:rPr>
+              <a:t>(A01</a:t>
+            </a:r>
+            <a:r>
+              <a:rPr lang="ko-KR" altLang="en-US" dirty="0">
+                <a:latin typeface="a타이틀고딕1" panose="02020600000000000000" pitchFamily="18" charset="-127"/>
+                <a:ea typeface="a타이틀고딕1" panose="02020600000000000000" pitchFamily="18" charset="-127"/>
+              </a:rPr>
+              <a:t>버스의 정원과 현재 신청 인원 검색</a:t>
+            </a:r>
+            <a:r>
+              <a:rPr lang="en-US" altLang="ko-KR" dirty="0">
+                <a:latin typeface="a타이틀고딕1" panose="02020600000000000000" pitchFamily="18" charset="-127"/>
+                <a:ea typeface="a타이틀고딕1" panose="02020600000000000000" pitchFamily="18" charset="-127"/>
+              </a:rPr>
+              <a:t>)</a:t>
+            </a:r>
+          </a:p>
+        </p:txBody>
+      </p:sp>
       <p:pic>
         <p:nvPicPr>
-          <p:cNvPr id="6" name="그림 5">
-            <a:extLst>
-              <a:ext uri="{FF2B5EF4-FFF2-40B4-BE49-F238E27FC236}">
-                <a16:creationId xmlns:a16="http://schemas.microsoft.com/office/drawing/2014/main" id="{419D4D0A-E425-4967-B36A-4F6A1F81DE46}"/>
-              </a:ext>
-            </a:extLst>
-          </p:cNvPr>
-          <p:cNvPicPr/>
+          <p:cNvPr id="8" name="그림 7">
+            <a:extLst>
+              <a:ext uri="{FF2B5EF4-FFF2-40B4-BE49-F238E27FC236}">
+                <a16:creationId xmlns:a16="http://schemas.microsoft.com/office/drawing/2014/main" id="{7BAF45BA-AE5C-4E5F-8ECA-43BF87348786}"/>
+              </a:ext>
+            </a:extLst>
+          </p:cNvPr>
+          <p:cNvPicPr>
+            <a:picLocks noChangeAspect="1"/>
+          </p:cNvPicPr>
           <p:nvPr/>
         </p:nvPicPr>
-        <p:blipFill rotWithShape="1">
+        <p:blipFill>
           <a:blip r:embed="rId2"/>
-          <a:srcRect t="16395"/>
-          <a:stretch/>
+          <a:stretch>
+            <a:fillRect/>
+          </a:stretch>
         </p:blipFill>
         <p:spPr>
           <a:xfrm>
-            <a:off x="3230245" y="2508308"/>
-            <a:ext cx="5731510" cy="834562"/>
+            <a:off x="4968898" y="2028825"/>
+            <a:ext cx="6781800" cy="1400175"/>
           </a:xfrm>
           <a:prstGeom prst="rect">
             <a:avLst/>
@@ -8068,14 +8712,16 @@
       </p:pic>
       <p:pic>
         <p:nvPicPr>
-          <p:cNvPr id="7" name="그림 6">
-            <a:extLst>
-              <a:ext uri="{FF2B5EF4-FFF2-40B4-BE49-F238E27FC236}">
-                <a16:creationId xmlns:a16="http://schemas.microsoft.com/office/drawing/2014/main" id="{8774171E-7A40-450B-A23D-9C15ECCB83B6}"/>
-              </a:ext>
-            </a:extLst>
-          </p:cNvPr>
-          <p:cNvPicPr/>
+          <p:cNvPr id="13" name="그림 12">
+            <a:extLst>
+              <a:ext uri="{FF2B5EF4-FFF2-40B4-BE49-F238E27FC236}">
+                <a16:creationId xmlns:a16="http://schemas.microsoft.com/office/drawing/2014/main" id="{541270F1-F893-4B55-80E8-9AE382029D71}"/>
+              </a:ext>
+            </a:extLst>
+          </p:cNvPr>
+          <p:cNvPicPr>
+            <a:picLocks noChangeAspect="1"/>
+          </p:cNvPicPr>
           <p:nvPr/>
         </p:nvPicPr>
         <p:blipFill>
@@ -8086,575 +8732,18 @@
         </p:blipFill>
         <p:spPr>
           <a:xfrm>
-            <a:off x="3686175" y="4103079"/>
-            <a:ext cx="4819650" cy="1323975"/>
+            <a:off x="4968898" y="3816826"/>
+            <a:ext cx="5705475" cy="1371600"/>
           </a:xfrm>
           <a:prstGeom prst="rect">
             <a:avLst/>
           </a:prstGeom>
         </p:spPr>
       </p:pic>
-      <mc:AlternateContent xmlns:mc="http://schemas.openxmlformats.org/markup-compatibility/2006">
-        <mc:Choice xmlns:p14="http://schemas.microsoft.com/office/powerpoint/2010/main" Requires="p14">
-          <p:contentPart p14:bwMode="auto" r:id="rId4">
-            <p14:nvContentPartPr>
-              <p14:cNvPr id="2" name="잉크 1">
-                <a:extLst>
-                  <a:ext uri="{FF2B5EF4-FFF2-40B4-BE49-F238E27FC236}">
-                    <a16:creationId xmlns:a16="http://schemas.microsoft.com/office/drawing/2014/main" id="{7295A975-A0F1-4989-9C14-84931C3631A9}"/>
-                  </a:ext>
-                </a:extLst>
-              </p14:cNvPr>
-              <p14:cNvContentPartPr/>
-              <p14:nvPr/>
-            </p14:nvContentPartPr>
-            <p14:xfrm>
-              <a:off x="6232792" y="2891785"/>
-              <a:ext cx="478080" cy="27720"/>
-            </p14:xfrm>
-          </p:contentPart>
-        </mc:Choice>
-        <mc:Fallback>
-          <p:pic>
-            <p:nvPicPr>
-              <p:cNvPr id="2" name="잉크 1">
-                <a:extLst>
-                  <a:ext uri="{FF2B5EF4-FFF2-40B4-BE49-F238E27FC236}">
-                    <a16:creationId xmlns:a16="http://schemas.microsoft.com/office/drawing/2014/main" id="{7295A975-A0F1-4989-9C14-84931C3631A9}"/>
-                  </a:ext>
-                </a:extLst>
-              </p:cNvPr>
-              <p:cNvPicPr/>
-              <p:nvPr/>
-            </p:nvPicPr>
-            <p:blipFill>
-              <a:blip r:embed="rId5"/>
-              <a:stretch>
-                <a:fillRect/>
-              </a:stretch>
-            </p:blipFill>
-            <p:spPr>
-              <a:xfrm>
-                <a:off x="6178792" y="2783785"/>
-                <a:ext cx="585720" cy="243360"/>
-              </a:xfrm>
-              <a:prstGeom prst="rect">
-                <a:avLst/>
-              </a:prstGeom>
-            </p:spPr>
-          </p:pic>
-        </mc:Fallback>
-      </mc:AlternateContent>
-      <mc:AlternateContent xmlns:mc="http://schemas.openxmlformats.org/markup-compatibility/2006">
-        <mc:Choice xmlns:p14="http://schemas.microsoft.com/office/powerpoint/2010/main" Requires="p14">
-          <p:contentPart p14:bwMode="auto" r:id="rId6">
-            <p14:nvContentPartPr>
-              <p14:cNvPr id="3" name="잉크 2">
-                <a:extLst>
-                  <a:ext uri="{FF2B5EF4-FFF2-40B4-BE49-F238E27FC236}">
-                    <a16:creationId xmlns:a16="http://schemas.microsoft.com/office/drawing/2014/main" id="{65F52DBA-5411-4255-8D8B-A4E9292688A5}"/>
-                  </a:ext>
-                </a:extLst>
-              </p14:cNvPr>
-              <p14:cNvContentPartPr/>
-              <p14:nvPr/>
-            </p14:nvContentPartPr>
-            <p14:xfrm>
-              <a:off x="6803032" y="4914985"/>
-              <a:ext cx="477360" cy="27720"/>
-            </p14:xfrm>
-          </p:contentPart>
-        </mc:Choice>
-        <mc:Fallback>
-          <p:pic>
-            <p:nvPicPr>
-              <p:cNvPr id="3" name="잉크 2">
-                <a:extLst>
-                  <a:ext uri="{FF2B5EF4-FFF2-40B4-BE49-F238E27FC236}">
-                    <a16:creationId xmlns:a16="http://schemas.microsoft.com/office/drawing/2014/main" id="{65F52DBA-5411-4255-8D8B-A4E9292688A5}"/>
-                  </a:ext>
-                </a:extLst>
-              </p:cNvPr>
-              <p:cNvPicPr/>
-              <p:nvPr/>
-            </p:nvPicPr>
-            <p:blipFill>
-              <a:blip r:embed="rId7"/>
-              <a:stretch>
-                <a:fillRect/>
-              </a:stretch>
-            </p:blipFill>
-            <p:spPr>
-              <a:xfrm>
-                <a:off x="6749392" y="4807345"/>
-                <a:ext cx="585000" cy="243360"/>
-              </a:xfrm>
-              <a:prstGeom prst="rect">
-                <a:avLst/>
-              </a:prstGeom>
-            </p:spPr>
-          </p:pic>
-        </mc:Fallback>
-      </mc:AlternateContent>
-      <mc:AlternateContent xmlns:mc="http://schemas.openxmlformats.org/markup-compatibility/2006">
-        <mc:Choice xmlns:p14="http://schemas.microsoft.com/office/powerpoint/2010/main" Requires="p14">
-          <p:contentPart p14:bwMode="auto" r:id="rId8">
-            <p14:nvContentPartPr>
-              <p14:cNvPr id="4" name="잉크 3">
-                <a:extLst>
-                  <a:ext uri="{FF2B5EF4-FFF2-40B4-BE49-F238E27FC236}">
-                    <a16:creationId xmlns:a16="http://schemas.microsoft.com/office/drawing/2014/main" id="{DFE2C481-1492-47D1-ACDE-EEF56173F2A3}"/>
-                  </a:ext>
-                </a:extLst>
-              </p14:cNvPr>
-              <p14:cNvContentPartPr/>
-              <p14:nvPr/>
-            </p14:nvContentPartPr>
-            <p14:xfrm>
-              <a:off x="4160632" y="2935705"/>
-              <a:ext cx="63000" cy="21960"/>
-            </p14:xfrm>
-          </p:contentPart>
-        </mc:Choice>
-        <mc:Fallback>
-          <p:pic>
-            <p:nvPicPr>
-              <p:cNvPr id="4" name="잉크 3">
-                <a:extLst>
-                  <a:ext uri="{FF2B5EF4-FFF2-40B4-BE49-F238E27FC236}">
-                    <a16:creationId xmlns:a16="http://schemas.microsoft.com/office/drawing/2014/main" id="{DFE2C481-1492-47D1-ACDE-EEF56173F2A3}"/>
-                  </a:ext>
-                </a:extLst>
-              </p:cNvPr>
-              <p:cNvPicPr/>
-              <p:nvPr/>
-            </p:nvPicPr>
-            <p:blipFill>
-              <a:blip r:embed="rId9"/>
-              <a:stretch>
-                <a:fillRect/>
-              </a:stretch>
-            </p:blipFill>
-            <p:spPr>
-              <a:xfrm>
-                <a:off x="4106992" y="2828065"/>
-                <a:ext cx="170640" cy="237600"/>
-              </a:xfrm>
-              <a:prstGeom prst="rect">
-                <a:avLst/>
-              </a:prstGeom>
-            </p:spPr>
-          </p:pic>
-        </mc:Fallback>
-      </mc:AlternateContent>
-      <mc:AlternateContent xmlns:mc="http://schemas.openxmlformats.org/markup-compatibility/2006">
-        <mc:Choice xmlns:p14="http://schemas.microsoft.com/office/powerpoint/2010/main" Requires="p14">
-          <p:contentPart p14:bwMode="auto" r:id="rId10">
-            <p14:nvContentPartPr>
-              <p14:cNvPr id="5" name="잉크 4">
-                <a:extLst>
-                  <a:ext uri="{FF2B5EF4-FFF2-40B4-BE49-F238E27FC236}">
-                    <a16:creationId xmlns:a16="http://schemas.microsoft.com/office/drawing/2014/main" id="{8414D7BC-7B39-4A07-B4FF-5263490B09E7}"/>
-                  </a:ext>
-                </a:extLst>
-              </p14:cNvPr>
-              <p14:cNvContentPartPr/>
-              <p14:nvPr/>
-            </p14:nvContentPartPr>
-            <p14:xfrm>
-              <a:off x="4815112" y="4907425"/>
-              <a:ext cx="91440" cy="360"/>
-            </p14:xfrm>
-          </p:contentPart>
-        </mc:Choice>
-        <mc:Fallback>
-          <p:pic>
-            <p:nvPicPr>
-              <p:cNvPr id="5" name="잉크 4">
-                <a:extLst>
-                  <a:ext uri="{FF2B5EF4-FFF2-40B4-BE49-F238E27FC236}">
-                    <a16:creationId xmlns:a16="http://schemas.microsoft.com/office/drawing/2014/main" id="{8414D7BC-7B39-4A07-B4FF-5263490B09E7}"/>
-                  </a:ext>
-                </a:extLst>
-              </p:cNvPr>
-              <p:cNvPicPr/>
-              <p:nvPr/>
-            </p:nvPicPr>
-            <p:blipFill>
-              <a:blip r:embed="rId11"/>
-              <a:stretch>
-                <a:fillRect/>
-              </a:stretch>
-            </p:blipFill>
-            <p:spPr>
-              <a:xfrm>
-                <a:off x="4761112" y="4799425"/>
-                <a:ext cx="199080" cy="216000"/>
-              </a:xfrm>
-              <a:prstGeom prst="rect">
-                <a:avLst/>
-              </a:prstGeom>
-            </p:spPr>
-          </p:pic>
-        </mc:Fallback>
-      </mc:AlternateContent>
-      <mc:AlternateContent xmlns:mc="http://schemas.openxmlformats.org/markup-compatibility/2006">
-        <mc:Choice xmlns:p14="http://schemas.microsoft.com/office/powerpoint/2010/main" Requires="p14">
-          <p:contentPart p14:bwMode="auto" r:id="rId12">
-            <p14:nvContentPartPr>
-              <p14:cNvPr id="9" name="잉크 8">
-                <a:extLst>
-                  <a:ext uri="{FF2B5EF4-FFF2-40B4-BE49-F238E27FC236}">
-                    <a16:creationId xmlns:a16="http://schemas.microsoft.com/office/drawing/2014/main" id="{CB6C49DD-789A-4007-B1D0-B4DAE49B6C00}"/>
-                  </a:ext>
-                </a:extLst>
-              </p14:cNvPr>
-              <p14:cNvContentPartPr/>
-              <p14:nvPr/>
-            </p14:nvContentPartPr>
-            <p14:xfrm>
-              <a:off x="5444032" y="2935345"/>
-              <a:ext cx="133920" cy="9720"/>
-            </p14:xfrm>
-          </p:contentPart>
-        </mc:Choice>
-        <mc:Fallback>
-          <p:pic>
-            <p:nvPicPr>
-              <p:cNvPr id="9" name="잉크 8">
-                <a:extLst>
-                  <a:ext uri="{FF2B5EF4-FFF2-40B4-BE49-F238E27FC236}">
-                    <a16:creationId xmlns:a16="http://schemas.microsoft.com/office/drawing/2014/main" id="{CB6C49DD-789A-4007-B1D0-B4DAE49B6C00}"/>
-                  </a:ext>
-                </a:extLst>
-              </p:cNvPr>
-              <p:cNvPicPr/>
-              <p:nvPr/>
-            </p:nvPicPr>
-            <p:blipFill>
-              <a:blip r:embed="rId13"/>
-              <a:stretch>
-                <a:fillRect/>
-              </a:stretch>
-            </p:blipFill>
-            <p:spPr>
-              <a:xfrm>
-                <a:off x="5390392" y="2827705"/>
-                <a:ext cx="241560" cy="225360"/>
-              </a:xfrm>
-              <a:prstGeom prst="rect">
-                <a:avLst/>
-              </a:prstGeom>
-            </p:spPr>
-          </p:pic>
-        </mc:Fallback>
-      </mc:AlternateContent>
-      <mc:AlternateContent xmlns:mc="http://schemas.openxmlformats.org/markup-compatibility/2006">
-        <mc:Choice xmlns:p14="http://schemas.microsoft.com/office/powerpoint/2010/main" Requires="p14">
-          <p:contentPart p14:bwMode="auto" r:id="rId14">
-            <p14:nvContentPartPr>
-              <p14:cNvPr id="10" name="잉크 9">
-                <a:extLst>
-                  <a:ext uri="{FF2B5EF4-FFF2-40B4-BE49-F238E27FC236}">
-                    <a16:creationId xmlns:a16="http://schemas.microsoft.com/office/drawing/2014/main" id="{135749BE-1682-4FBA-BDAB-68C42B88F1CB}"/>
-                  </a:ext>
-                </a:extLst>
-              </p14:cNvPr>
-              <p14:cNvContentPartPr/>
-              <p14:nvPr/>
-            </p14:nvContentPartPr>
-            <p14:xfrm>
-              <a:off x="6417112" y="4944145"/>
-              <a:ext cx="112320" cy="5400"/>
-            </p14:xfrm>
-          </p:contentPart>
-        </mc:Choice>
-        <mc:Fallback>
-          <p:pic>
-            <p:nvPicPr>
-              <p:cNvPr id="10" name="잉크 9">
-                <a:extLst>
-                  <a:ext uri="{FF2B5EF4-FFF2-40B4-BE49-F238E27FC236}">
-                    <a16:creationId xmlns:a16="http://schemas.microsoft.com/office/drawing/2014/main" id="{135749BE-1682-4FBA-BDAB-68C42B88F1CB}"/>
-                  </a:ext>
-                </a:extLst>
-              </p:cNvPr>
-              <p:cNvPicPr/>
-              <p:nvPr/>
-            </p:nvPicPr>
-            <p:blipFill>
-              <a:blip r:embed="rId15"/>
-              <a:stretch>
-                <a:fillRect/>
-              </a:stretch>
-            </p:blipFill>
-            <p:spPr>
-              <a:xfrm>
-                <a:off x="6363472" y="4836145"/>
-                <a:ext cx="219960" cy="221040"/>
-              </a:xfrm>
-              <a:prstGeom prst="rect">
-                <a:avLst/>
-              </a:prstGeom>
-            </p:spPr>
-          </p:pic>
-        </mc:Fallback>
-      </mc:AlternateContent>
-      <p:sp>
-        <p:nvSpPr>
-          <p:cNvPr id="15" name="TextBox 14">
-            <a:extLst>
-              <a:ext uri="{FF2B5EF4-FFF2-40B4-BE49-F238E27FC236}">
-                <a16:creationId xmlns:a16="http://schemas.microsoft.com/office/drawing/2014/main" id="{9344629B-2321-4B35-BE7F-98E3ECEB9448}"/>
-              </a:ext>
-            </a:extLst>
-          </p:cNvPr>
-          <p:cNvSpPr txBox="1"/>
-          <p:nvPr/>
-        </p:nvSpPr>
-        <p:spPr>
-          <a:xfrm>
-            <a:off x="3898247" y="1385878"/>
-            <a:ext cx="4395505" cy="646331"/>
-          </a:xfrm>
-          <a:prstGeom prst="rect">
-            <a:avLst/>
-          </a:prstGeom>
-          <a:noFill/>
-        </p:spPr>
-        <p:txBody>
-          <a:bodyPr wrap="square" rtlCol="0">
-            <a:spAutoFit/>
-          </a:bodyPr>
-          <a:lstStyle/>
-          <a:p>
-            <a:pPr algn="ctr"/>
-            <a:r>
-              <a:rPr lang="ko-KR" altLang="en-US" dirty="0">
-                <a:latin typeface="a타이틀고딕1" panose="02020600000000000000" pitchFamily="18" charset="-127"/>
-                <a:ea typeface="a타이틀고딕1" panose="02020600000000000000" pitchFamily="18" charset="-127"/>
-              </a:rPr>
-              <a:t>중구 구민이면서 수강 프로그램이 </a:t>
-            </a:r>
-            <a:r>
-              <a:rPr lang="en-US" altLang="ko-KR" dirty="0">
-                <a:latin typeface="a타이틀고딕1" panose="02020600000000000000" pitchFamily="18" charset="-127"/>
-                <a:ea typeface="a타이틀고딕1" panose="02020600000000000000" pitchFamily="18" charset="-127"/>
-              </a:rPr>
-              <a:t>2</a:t>
-            </a:r>
-            <a:r>
-              <a:rPr lang="ko-KR" altLang="en-US" dirty="0">
-                <a:latin typeface="a타이틀고딕1" panose="02020600000000000000" pitchFamily="18" charset="-127"/>
-                <a:ea typeface="a타이틀고딕1" panose="02020600000000000000" pitchFamily="18" charset="-127"/>
-              </a:rPr>
-              <a:t>개 이상인 회원은 수강료 </a:t>
-            </a:r>
-            <a:r>
-              <a:rPr lang="en-US" altLang="ko-KR" dirty="0">
-                <a:latin typeface="a타이틀고딕1" panose="02020600000000000000" pitchFamily="18" charset="-127"/>
-                <a:ea typeface="a타이틀고딕1" panose="02020600000000000000" pitchFamily="18" charset="-127"/>
-              </a:rPr>
-              <a:t>10% </a:t>
-            </a:r>
-            <a:r>
-              <a:rPr lang="ko-KR" altLang="en-US" dirty="0">
-                <a:latin typeface="a타이틀고딕1" panose="02020600000000000000" pitchFamily="18" charset="-127"/>
-                <a:ea typeface="a타이틀고딕1" panose="02020600000000000000" pitchFamily="18" charset="-127"/>
-              </a:rPr>
-              <a:t>할인</a:t>
-            </a:r>
-          </a:p>
-        </p:txBody>
-      </p:sp>
-      <p:sp>
-        <p:nvSpPr>
-          <p:cNvPr id="11" name="화살표: 아래쪽 10">
-            <a:extLst>
-              <a:ext uri="{FF2B5EF4-FFF2-40B4-BE49-F238E27FC236}">
-                <a16:creationId xmlns:a16="http://schemas.microsoft.com/office/drawing/2014/main" id="{CBFADFBB-B960-4C80-B780-E2806AE3CA01}"/>
-              </a:ext>
-            </a:extLst>
-          </p:cNvPr>
-          <p:cNvSpPr/>
-          <p:nvPr/>
-        </p:nvSpPr>
-        <p:spPr>
-          <a:xfrm>
-            <a:off x="5444032" y="3399809"/>
-            <a:ext cx="1552386" cy="533756"/>
-          </a:xfrm>
-          <a:prstGeom prst="downArrow">
-            <a:avLst/>
-          </a:prstGeom>
-        </p:spPr>
-        <p:style>
-          <a:lnRef idx="2">
-            <a:schemeClr val="accent1">
-              <a:shade val="50000"/>
-            </a:schemeClr>
-          </a:lnRef>
-          <a:fillRef idx="1">
-            <a:schemeClr val="accent1"/>
-          </a:fillRef>
-          <a:effectRef idx="0">
-            <a:schemeClr val="accent1"/>
-          </a:effectRef>
-          <a:fontRef idx="minor">
-            <a:schemeClr val="lt1"/>
-          </a:fontRef>
-        </p:style>
-        <p:txBody>
-          <a:bodyPr rtlCol="0" anchor="ctr"/>
-          <a:lstStyle/>
-          <a:p>
-            <a:pPr algn="ctr"/>
-            <a:endParaRPr lang="ko-KR" altLang="en-US"/>
-          </a:p>
-        </p:txBody>
-      </p:sp>
-      <p:sp>
-        <p:nvSpPr>
-          <p:cNvPr id="12" name="직사각형 11">
-            <a:extLst>
-              <a:ext uri="{FF2B5EF4-FFF2-40B4-BE49-F238E27FC236}">
-                <a16:creationId xmlns:a16="http://schemas.microsoft.com/office/drawing/2014/main" id="{23D4F73E-93F4-4BE4-AFDD-54E72F32ECD9}"/>
-              </a:ext>
-            </a:extLst>
-          </p:cNvPr>
-          <p:cNvSpPr/>
-          <p:nvPr/>
-        </p:nvSpPr>
-        <p:spPr>
-          <a:xfrm>
-            <a:off x="0" y="3131919"/>
-            <a:ext cx="6096000" cy="923330"/>
-          </a:xfrm>
-          <a:prstGeom prst="rect">
-            <a:avLst/>
-          </a:prstGeom>
-        </p:spPr>
-        <p:txBody>
-          <a:bodyPr>
-            <a:spAutoFit/>
-          </a:bodyPr>
-          <a:lstStyle/>
-          <a:p>
-            <a:pPr>
-              <a:spcAft>
-                <a:spcPts val="0"/>
-              </a:spcAft>
-            </a:pPr>
-            <a:r>
-              <a:rPr lang="en-US" altLang="ko-KR" kern="150" dirty="0">
-                <a:latin typeface="Noto Sans CJK JP"/>
-                <a:cs typeface="Lohit Devanagari"/>
-              </a:rPr>
-              <a:t>update checking</a:t>
-            </a:r>
-            <a:endParaRPr lang="ko-KR" altLang="ko-KR" kern="150" dirty="0">
-              <a:latin typeface="Noto Sans CJK JP"/>
-              <a:cs typeface="Lohit Devanagari"/>
-            </a:endParaRPr>
-          </a:p>
-          <a:p>
-            <a:pPr>
-              <a:spcAft>
-                <a:spcPts val="0"/>
-              </a:spcAft>
-            </a:pPr>
-            <a:r>
-              <a:rPr lang="en-US" altLang="ko-KR" kern="150" dirty="0">
-                <a:latin typeface="Noto Sans CJK JP"/>
-                <a:cs typeface="Lohit Devanagari"/>
-              </a:rPr>
-              <a:t>    -&gt; set </a:t>
-            </a:r>
-            <a:r>
-              <a:rPr lang="en-US" altLang="ko-KR" kern="150" dirty="0" err="1">
-                <a:latin typeface="Noto Sans CJK JP"/>
-                <a:cs typeface="Lohit Devanagari"/>
-              </a:rPr>
-              <a:t>total_tuition</a:t>
-            </a:r>
-            <a:r>
-              <a:rPr lang="en-US" altLang="ko-KR" kern="150" dirty="0">
-                <a:latin typeface="Noto Sans CJK JP"/>
-                <a:cs typeface="Lohit Devanagari"/>
-              </a:rPr>
-              <a:t>=</a:t>
-            </a:r>
-            <a:r>
-              <a:rPr lang="en-US" altLang="ko-KR" kern="150" dirty="0" err="1">
-                <a:latin typeface="Noto Sans CJK JP"/>
-                <a:cs typeface="Lohit Devanagari"/>
-              </a:rPr>
-              <a:t>total_tuition</a:t>
-            </a:r>
-            <a:r>
-              <a:rPr lang="en-US" altLang="ko-KR" kern="150" dirty="0">
-                <a:latin typeface="Noto Sans CJK JP"/>
-                <a:cs typeface="Lohit Devanagari"/>
-              </a:rPr>
-              <a:t>*0.9</a:t>
-            </a:r>
-            <a:endParaRPr lang="ko-KR" altLang="ko-KR" kern="150" dirty="0">
-              <a:latin typeface="Noto Sans CJK JP"/>
-              <a:cs typeface="Lohit Devanagari"/>
-            </a:endParaRPr>
-          </a:p>
-          <a:p>
-            <a:pPr>
-              <a:spcAft>
-                <a:spcPts val="0"/>
-              </a:spcAft>
-            </a:pPr>
-            <a:r>
-              <a:rPr lang="en-US" altLang="ko-KR" kern="150" dirty="0">
-                <a:latin typeface="Noto Sans CJK JP"/>
-                <a:cs typeface="Lohit Devanagari"/>
-              </a:rPr>
-              <a:t>    -&gt; where </a:t>
-            </a:r>
-            <a:r>
-              <a:rPr lang="en-US" altLang="ko-KR" kern="150" dirty="0" err="1">
-                <a:latin typeface="Noto Sans CJK JP"/>
-                <a:cs typeface="Lohit Devanagari"/>
-              </a:rPr>
-              <a:t>jung_gu</a:t>
-            </a:r>
-            <a:r>
-              <a:rPr lang="en-US" altLang="ko-KR" kern="150" dirty="0">
-                <a:latin typeface="Noto Sans CJK JP"/>
-                <a:cs typeface="Lohit Devanagari"/>
-              </a:rPr>
-              <a:t>="O" AND </a:t>
-            </a:r>
-            <a:r>
-              <a:rPr lang="en-US" altLang="ko-KR" kern="150" dirty="0" err="1">
-                <a:latin typeface="Noto Sans CJK JP"/>
-                <a:cs typeface="Lohit Devanagari"/>
-              </a:rPr>
-              <a:t>numpro_cus</a:t>
-            </a:r>
-            <a:r>
-              <a:rPr lang="en-US" altLang="ko-KR" kern="150" dirty="0">
-                <a:latin typeface="Noto Sans CJK JP"/>
-                <a:cs typeface="Lohit Devanagari"/>
-              </a:rPr>
-              <a:t>&gt;=2;</a:t>
-            </a:r>
-            <a:endParaRPr lang="ko-KR" altLang="ko-KR" kern="150" dirty="0">
-              <a:latin typeface="Noto Sans CJK JP"/>
-              <a:cs typeface="Lohit Devanagari"/>
-            </a:endParaRPr>
-          </a:p>
-        </p:txBody>
-      </p:sp>
     </p:spTree>
     <p:extLst>
       <p:ext uri="{BB962C8B-B14F-4D97-AF65-F5344CB8AC3E}">
-        <p14:creationId xmlns:p14="http://schemas.microsoft.com/office/powerpoint/2010/main" val="4023338327"/>
+        <p14:creationId xmlns:p14="http://schemas.microsoft.com/office/powerpoint/2010/main" val="2965027150"/>
       </p:ext>
     </p:extLst>
   </p:cSld>
@@ -8796,105 +8885,37 @@
       </p:sp>
       <p:pic>
         <p:nvPicPr>
-          <p:cNvPr id="8" name="그림 7">
-            <a:extLst>
-              <a:ext uri="{FF2B5EF4-FFF2-40B4-BE49-F238E27FC236}">
-                <a16:creationId xmlns:a16="http://schemas.microsoft.com/office/drawing/2014/main" id="{FD719E16-FEF2-43B9-81D0-473CDD0CCC70}"/>
+          <p:cNvPr id="6" name="그림 5">
+            <a:extLst>
+              <a:ext uri="{FF2B5EF4-FFF2-40B4-BE49-F238E27FC236}">
+                <a16:creationId xmlns:a16="http://schemas.microsoft.com/office/drawing/2014/main" id="{419D4D0A-E425-4967-B36A-4F6A1F81DE46}"/>
               </a:ext>
             </a:extLst>
           </p:cNvPr>
           <p:cNvPicPr/>
           <p:nvPr/>
         </p:nvPicPr>
-        <p:blipFill>
+        <p:blipFill rotWithShape="1">
           <a:blip r:embed="rId2"/>
-          <a:stretch>
-            <a:fillRect/>
-          </a:stretch>
+          <a:srcRect t="16395"/>
+          <a:stretch/>
         </p:blipFill>
         <p:spPr>
           <a:xfrm>
-            <a:off x="3333750" y="3643905"/>
-            <a:ext cx="5524500" cy="2238375"/>
+            <a:off x="3230245" y="2508308"/>
+            <a:ext cx="5731510" cy="834562"/>
           </a:xfrm>
           <a:prstGeom prst="rect">
             <a:avLst/>
           </a:prstGeom>
         </p:spPr>
       </p:pic>
-      <p:sp>
-        <p:nvSpPr>
-          <p:cNvPr id="9" name="TextBox 8">
-            <a:extLst>
-              <a:ext uri="{FF2B5EF4-FFF2-40B4-BE49-F238E27FC236}">
-                <a16:creationId xmlns:a16="http://schemas.microsoft.com/office/drawing/2014/main" id="{68434778-32F7-4408-9F53-C6BCF25698E2}"/>
-              </a:ext>
-            </a:extLst>
-          </p:cNvPr>
-          <p:cNvSpPr txBox="1"/>
-          <p:nvPr/>
-        </p:nvSpPr>
-        <p:spPr>
-          <a:xfrm>
-            <a:off x="3898247" y="975720"/>
-            <a:ext cx="4395505" cy="369332"/>
-          </a:xfrm>
-          <a:prstGeom prst="rect">
-            <a:avLst/>
-          </a:prstGeom>
-          <a:noFill/>
-        </p:spPr>
-        <p:txBody>
-          <a:bodyPr wrap="square" rtlCol="0">
-            <a:spAutoFit/>
-          </a:bodyPr>
-          <a:lstStyle/>
-          <a:p>
-            <a:pPr algn="ctr"/>
-            <a:r>
-              <a:rPr lang="ko-KR" altLang="en-US" dirty="0">
-                <a:latin typeface="a타이틀고딕1" panose="02020600000000000000" pitchFamily="18" charset="-127"/>
-                <a:ea typeface="a타이틀고딕1" panose="02020600000000000000" pitchFamily="18" charset="-127"/>
-              </a:rPr>
-              <a:t>버스 운행에서 </a:t>
-            </a:r>
-            <a:r>
-              <a:rPr lang="en-US" altLang="ko-KR" dirty="0">
-                <a:latin typeface="a타이틀고딕1" panose="02020600000000000000" pitchFamily="18" charset="-127"/>
-                <a:ea typeface="a타이틀고딕1" panose="02020600000000000000" pitchFamily="18" charset="-127"/>
-              </a:rPr>
-              <a:t>A01 </a:t>
-            </a:r>
-            <a:r>
-              <a:rPr lang="ko-KR" altLang="en-US" dirty="0">
-                <a:latin typeface="a타이틀고딕1" panose="02020600000000000000" pitchFamily="18" charset="-127"/>
-                <a:ea typeface="a타이틀고딕1" panose="02020600000000000000" pitchFamily="18" charset="-127"/>
-              </a:rPr>
-              <a:t>셔틀버스 </a:t>
-            </a:r>
-            <a:r>
-              <a:rPr lang="en-US" altLang="ko-KR" dirty="0">
-                <a:latin typeface="a타이틀고딕1" panose="02020600000000000000" pitchFamily="18" charset="-127"/>
-                <a:ea typeface="a타이틀고딕1" panose="02020600000000000000" pitchFamily="18" charset="-127"/>
-              </a:rPr>
-              <a:t>1</a:t>
-            </a:r>
-            <a:r>
-              <a:rPr lang="ko-KR" altLang="en-US" dirty="0">
-                <a:latin typeface="a타이틀고딕1" panose="02020600000000000000" pitchFamily="18" charset="-127"/>
-                <a:ea typeface="a타이틀고딕1" panose="02020600000000000000" pitchFamily="18" charset="-127"/>
-              </a:rPr>
-              <a:t>명 추가</a:t>
-            </a:r>
-          </a:p>
-        </p:txBody>
-      </p:sp>
       <p:pic>
         <p:nvPicPr>
-          <p:cNvPr id="10" name="그림 9">
-            <a:extLst>
-              <a:ext uri="{FF2B5EF4-FFF2-40B4-BE49-F238E27FC236}">
-                <a16:creationId xmlns:a16="http://schemas.microsoft.com/office/drawing/2014/main" id="{8F3A2DA3-1DB0-48BD-8436-0DC85199A1A5}"/>
+          <p:cNvPr id="7" name="그림 6">
+            <a:extLst>
+              <a:ext uri="{FF2B5EF4-FFF2-40B4-BE49-F238E27FC236}">
+                <a16:creationId xmlns:a16="http://schemas.microsoft.com/office/drawing/2014/main" id="{8774171E-7A40-450B-A23D-9C15ECCB83B6}"/>
               </a:ext>
             </a:extLst>
           </p:cNvPr>
@@ -8909,20 +8930,393 @@
         </p:blipFill>
         <p:spPr>
           <a:xfrm>
-            <a:off x="3443939" y="1497361"/>
-            <a:ext cx="5019675" cy="1295400"/>
+            <a:off x="3686175" y="4103079"/>
+            <a:ext cx="4819650" cy="1323975"/>
           </a:xfrm>
           <a:prstGeom prst="rect">
             <a:avLst/>
           </a:prstGeom>
         </p:spPr>
       </p:pic>
-      <p:sp>
-        <p:nvSpPr>
-          <p:cNvPr id="2" name="화살표: 아래쪽 1">
-            <a:extLst>
-              <a:ext uri="{FF2B5EF4-FFF2-40B4-BE49-F238E27FC236}">
-                <a16:creationId xmlns:a16="http://schemas.microsoft.com/office/drawing/2014/main" id="{535116E9-6C77-4CDC-91CD-6ECA84CE22E1}"/>
+      <mc:AlternateContent xmlns:mc="http://schemas.openxmlformats.org/markup-compatibility/2006" xmlns:p14="http://schemas.microsoft.com/office/powerpoint/2010/main">
+        <mc:Choice Requires="p14">
+          <p:contentPart p14:bwMode="auto" r:id="rId4">
+            <p14:nvContentPartPr>
+              <p14:cNvPr id="2" name="잉크 1">
+                <a:extLst>
+                  <a:ext uri="{FF2B5EF4-FFF2-40B4-BE49-F238E27FC236}">
+                    <a16:creationId xmlns:a16="http://schemas.microsoft.com/office/drawing/2014/main" id="{7295A975-A0F1-4989-9C14-84931C3631A9}"/>
+                  </a:ext>
+                </a:extLst>
+              </p14:cNvPr>
+              <p14:cNvContentPartPr/>
+              <p14:nvPr/>
+            </p14:nvContentPartPr>
+            <p14:xfrm>
+              <a:off x="6232792" y="2891785"/>
+              <a:ext cx="478080" cy="27720"/>
+            </p14:xfrm>
+          </p:contentPart>
+        </mc:Choice>
+        <mc:Fallback xmlns="">
+          <p:pic>
+            <p:nvPicPr>
+              <p:cNvPr id="2" name="잉크 1">
+                <a:extLst>
+                  <a:ext uri="{FF2B5EF4-FFF2-40B4-BE49-F238E27FC236}">
+                    <a16:creationId xmlns:a16="http://schemas.microsoft.com/office/drawing/2014/main" id="{7295A975-A0F1-4989-9C14-84931C3631A9}"/>
+                  </a:ext>
+                </a:extLst>
+              </p:cNvPr>
+              <p:cNvPicPr/>
+              <p:nvPr/>
+            </p:nvPicPr>
+            <p:blipFill>
+              <a:blip r:embed="rId5"/>
+              <a:stretch>
+                <a:fillRect/>
+              </a:stretch>
+            </p:blipFill>
+            <p:spPr>
+              <a:xfrm>
+                <a:off x="6178792" y="2783785"/>
+                <a:ext cx="585720" cy="243360"/>
+              </a:xfrm>
+              <a:prstGeom prst="rect">
+                <a:avLst/>
+              </a:prstGeom>
+            </p:spPr>
+          </p:pic>
+        </mc:Fallback>
+      </mc:AlternateContent>
+      <mc:AlternateContent xmlns:mc="http://schemas.openxmlformats.org/markup-compatibility/2006" xmlns:p14="http://schemas.microsoft.com/office/powerpoint/2010/main">
+        <mc:Choice Requires="p14">
+          <p:contentPart p14:bwMode="auto" r:id="rId6">
+            <p14:nvContentPartPr>
+              <p14:cNvPr id="3" name="잉크 2">
+                <a:extLst>
+                  <a:ext uri="{FF2B5EF4-FFF2-40B4-BE49-F238E27FC236}">
+                    <a16:creationId xmlns:a16="http://schemas.microsoft.com/office/drawing/2014/main" id="{65F52DBA-5411-4255-8D8B-A4E9292688A5}"/>
+                  </a:ext>
+                </a:extLst>
+              </p14:cNvPr>
+              <p14:cNvContentPartPr/>
+              <p14:nvPr/>
+            </p14:nvContentPartPr>
+            <p14:xfrm>
+              <a:off x="6803032" y="4914985"/>
+              <a:ext cx="477360" cy="27720"/>
+            </p14:xfrm>
+          </p:contentPart>
+        </mc:Choice>
+        <mc:Fallback xmlns="">
+          <p:pic>
+            <p:nvPicPr>
+              <p:cNvPr id="3" name="잉크 2">
+                <a:extLst>
+                  <a:ext uri="{FF2B5EF4-FFF2-40B4-BE49-F238E27FC236}">
+                    <a16:creationId xmlns:a16="http://schemas.microsoft.com/office/drawing/2014/main" id="{65F52DBA-5411-4255-8D8B-A4E9292688A5}"/>
+                  </a:ext>
+                </a:extLst>
+              </p:cNvPr>
+              <p:cNvPicPr/>
+              <p:nvPr/>
+            </p:nvPicPr>
+            <p:blipFill>
+              <a:blip r:embed="rId7"/>
+              <a:stretch>
+                <a:fillRect/>
+              </a:stretch>
+            </p:blipFill>
+            <p:spPr>
+              <a:xfrm>
+                <a:off x="6749392" y="4807345"/>
+                <a:ext cx="585000" cy="243360"/>
+              </a:xfrm>
+              <a:prstGeom prst="rect">
+                <a:avLst/>
+              </a:prstGeom>
+            </p:spPr>
+          </p:pic>
+        </mc:Fallback>
+      </mc:AlternateContent>
+      <mc:AlternateContent xmlns:mc="http://schemas.openxmlformats.org/markup-compatibility/2006" xmlns:p14="http://schemas.microsoft.com/office/powerpoint/2010/main">
+        <mc:Choice Requires="p14">
+          <p:contentPart p14:bwMode="auto" r:id="rId8">
+            <p14:nvContentPartPr>
+              <p14:cNvPr id="4" name="잉크 3">
+                <a:extLst>
+                  <a:ext uri="{FF2B5EF4-FFF2-40B4-BE49-F238E27FC236}">
+                    <a16:creationId xmlns:a16="http://schemas.microsoft.com/office/drawing/2014/main" id="{DFE2C481-1492-47D1-ACDE-EEF56173F2A3}"/>
+                  </a:ext>
+                </a:extLst>
+              </p14:cNvPr>
+              <p14:cNvContentPartPr/>
+              <p14:nvPr/>
+            </p14:nvContentPartPr>
+            <p14:xfrm>
+              <a:off x="4160632" y="2935705"/>
+              <a:ext cx="63000" cy="21960"/>
+            </p14:xfrm>
+          </p:contentPart>
+        </mc:Choice>
+        <mc:Fallback xmlns="">
+          <p:pic>
+            <p:nvPicPr>
+              <p:cNvPr id="4" name="잉크 3">
+                <a:extLst>
+                  <a:ext uri="{FF2B5EF4-FFF2-40B4-BE49-F238E27FC236}">
+                    <a16:creationId xmlns:a16="http://schemas.microsoft.com/office/drawing/2014/main" id="{DFE2C481-1492-47D1-ACDE-EEF56173F2A3}"/>
+                  </a:ext>
+                </a:extLst>
+              </p:cNvPr>
+              <p:cNvPicPr/>
+              <p:nvPr/>
+            </p:nvPicPr>
+            <p:blipFill>
+              <a:blip r:embed="rId9"/>
+              <a:stretch>
+                <a:fillRect/>
+              </a:stretch>
+            </p:blipFill>
+            <p:spPr>
+              <a:xfrm>
+                <a:off x="4106992" y="2828065"/>
+                <a:ext cx="170640" cy="237600"/>
+              </a:xfrm>
+              <a:prstGeom prst="rect">
+                <a:avLst/>
+              </a:prstGeom>
+            </p:spPr>
+          </p:pic>
+        </mc:Fallback>
+      </mc:AlternateContent>
+      <mc:AlternateContent xmlns:mc="http://schemas.openxmlformats.org/markup-compatibility/2006" xmlns:p14="http://schemas.microsoft.com/office/powerpoint/2010/main">
+        <mc:Choice Requires="p14">
+          <p:contentPart p14:bwMode="auto" r:id="rId10">
+            <p14:nvContentPartPr>
+              <p14:cNvPr id="5" name="잉크 4">
+                <a:extLst>
+                  <a:ext uri="{FF2B5EF4-FFF2-40B4-BE49-F238E27FC236}">
+                    <a16:creationId xmlns:a16="http://schemas.microsoft.com/office/drawing/2014/main" id="{8414D7BC-7B39-4A07-B4FF-5263490B09E7}"/>
+                  </a:ext>
+                </a:extLst>
+              </p14:cNvPr>
+              <p14:cNvContentPartPr/>
+              <p14:nvPr/>
+            </p14:nvContentPartPr>
+            <p14:xfrm>
+              <a:off x="4815112" y="4907425"/>
+              <a:ext cx="91440" cy="360"/>
+            </p14:xfrm>
+          </p:contentPart>
+        </mc:Choice>
+        <mc:Fallback xmlns="">
+          <p:pic>
+            <p:nvPicPr>
+              <p:cNvPr id="5" name="잉크 4">
+                <a:extLst>
+                  <a:ext uri="{FF2B5EF4-FFF2-40B4-BE49-F238E27FC236}">
+                    <a16:creationId xmlns:a16="http://schemas.microsoft.com/office/drawing/2014/main" id="{8414D7BC-7B39-4A07-B4FF-5263490B09E7}"/>
+                  </a:ext>
+                </a:extLst>
+              </p:cNvPr>
+              <p:cNvPicPr/>
+              <p:nvPr/>
+            </p:nvPicPr>
+            <p:blipFill>
+              <a:blip r:embed="rId11"/>
+              <a:stretch>
+                <a:fillRect/>
+              </a:stretch>
+            </p:blipFill>
+            <p:spPr>
+              <a:xfrm>
+                <a:off x="4761112" y="4799425"/>
+                <a:ext cx="199080" cy="216000"/>
+              </a:xfrm>
+              <a:prstGeom prst="rect">
+                <a:avLst/>
+              </a:prstGeom>
+            </p:spPr>
+          </p:pic>
+        </mc:Fallback>
+      </mc:AlternateContent>
+      <mc:AlternateContent xmlns:mc="http://schemas.openxmlformats.org/markup-compatibility/2006" xmlns:p14="http://schemas.microsoft.com/office/powerpoint/2010/main">
+        <mc:Choice Requires="p14">
+          <p:contentPart p14:bwMode="auto" r:id="rId12">
+            <p14:nvContentPartPr>
+              <p14:cNvPr id="9" name="잉크 8">
+                <a:extLst>
+                  <a:ext uri="{FF2B5EF4-FFF2-40B4-BE49-F238E27FC236}">
+                    <a16:creationId xmlns:a16="http://schemas.microsoft.com/office/drawing/2014/main" id="{CB6C49DD-789A-4007-B1D0-B4DAE49B6C00}"/>
+                  </a:ext>
+                </a:extLst>
+              </p14:cNvPr>
+              <p14:cNvContentPartPr/>
+              <p14:nvPr/>
+            </p14:nvContentPartPr>
+            <p14:xfrm>
+              <a:off x="5444032" y="2935345"/>
+              <a:ext cx="133920" cy="9720"/>
+            </p14:xfrm>
+          </p:contentPart>
+        </mc:Choice>
+        <mc:Fallback xmlns="">
+          <p:pic>
+            <p:nvPicPr>
+              <p:cNvPr id="9" name="잉크 8">
+                <a:extLst>
+                  <a:ext uri="{FF2B5EF4-FFF2-40B4-BE49-F238E27FC236}">
+                    <a16:creationId xmlns:a16="http://schemas.microsoft.com/office/drawing/2014/main" id="{CB6C49DD-789A-4007-B1D0-B4DAE49B6C00}"/>
+                  </a:ext>
+                </a:extLst>
+              </p:cNvPr>
+              <p:cNvPicPr/>
+              <p:nvPr/>
+            </p:nvPicPr>
+            <p:blipFill>
+              <a:blip r:embed="rId13"/>
+              <a:stretch>
+                <a:fillRect/>
+              </a:stretch>
+            </p:blipFill>
+            <p:spPr>
+              <a:xfrm>
+                <a:off x="5390392" y="2827705"/>
+                <a:ext cx="241560" cy="225360"/>
+              </a:xfrm>
+              <a:prstGeom prst="rect">
+                <a:avLst/>
+              </a:prstGeom>
+            </p:spPr>
+          </p:pic>
+        </mc:Fallback>
+      </mc:AlternateContent>
+      <mc:AlternateContent xmlns:mc="http://schemas.openxmlformats.org/markup-compatibility/2006" xmlns:p14="http://schemas.microsoft.com/office/powerpoint/2010/main">
+        <mc:Choice Requires="p14">
+          <p:contentPart p14:bwMode="auto" r:id="rId14">
+            <p14:nvContentPartPr>
+              <p14:cNvPr id="10" name="잉크 9">
+                <a:extLst>
+                  <a:ext uri="{FF2B5EF4-FFF2-40B4-BE49-F238E27FC236}">
+                    <a16:creationId xmlns:a16="http://schemas.microsoft.com/office/drawing/2014/main" id="{135749BE-1682-4FBA-BDAB-68C42B88F1CB}"/>
+                  </a:ext>
+                </a:extLst>
+              </p14:cNvPr>
+              <p14:cNvContentPartPr/>
+              <p14:nvPr/>
+            </p14:nvContentPartPr>
+            <p14:xfrm>
+              <a:off x="6417112" y="4944145"/>
+              <a:ext cx="112320" cy="5400"/>
+            </p14:xfrm>
+          </p:contentPart>
+        </mc:Choice>
+        <mc:Fallback xmlns="">
+          <p:pic>
+            <p:nvPicPr>
+              <p:cNvPr id="10" name="잉크 9">
+                <a:extLst>
+                  <a:ext uri="{FF2B5EF4-FFF2-40B4-BE49-F238E27FC236}">
+                    <a16:creationId xmlns:a16="http://schemas.microsoft.com/office/drawing/2014/main" id="{135749BE-1682-4FBA-BDAB-68C42B88F1CB}"/>
+                  </a:ext>
+                </a:extLst>
+              </p:cNvPr>
+              <p:cNvPicPr/>
+              <p:nvPr/>
+            </p:nvPicPr>
+            <p:blipFill>
+              <a:blip r:embed="rId15"/>
+              <a:stretch>
+                <a:fillRect/>
+              </a:stretch>
+            </p:blipFill>
+            <p:spPr>
+              <a:xfrm>
+                <a:off x="6363472" y="4836145"/>
+                <a:ext cx="219960" cy="221040"/>
+              </a:xfrm>
+              <a:prstGeom prst="rect">
+                <a:avLst/>
+              </a:prstGeom>
+            </p:spPr>
+          </p:pic>
+        </mc:Fallback>
+      </mc:AlternateContent>
+      <p:sp>
+        <p:nvSpPr>
+          <p:cNvPr id="15" name="TextBox 14">
+            <a:extLst>
+              <a:ext uri="{FF2B5EF4-FFF2-40B4-BE49-F238E27FC236}">
+                <a16:creationId xmlns:a16="http://schemas.microsoft.com/office/drawing/2014/main" id="{9344629B-2321-4B35-BE7F-98E3ECEB9448}"/>
+              </a:ext>
+            </a:extLst>
+          </p:cNvPr>
+          <p:cNvSpPr txBox="1"/>
+          <p:nvPr/>
+        </p:nvSpPr>
+        <p:spPr>
+          <a:xfrm>
+            <a:off x="3898247" y="1385878"/>
+            <a:ext cx="4395505" cy="646331"/>
+          </a:xfrm>
+          <a:prstGeom prst="rect">
+            <a:avLst/>
+          </a:prstGeom>
+          <a:noFill/>
+        </p:spPr>
+        <p:txBody>
+          <a:bodyPr wrap="square" rtlCol="0">
+            <a:spAutoFit/>
+          </a:bodyPr>
+          <a:lstStyle/>
+          <a:p>
+            <a:pPr algn="ctr"/>
+            <a:r>
+              <a:rPr lang="ko-KR" altLang="en-US" dirty="0">
+                <a:latin typeface="a타이틀고딕1" panose="02020600000000000000" pitchFamily="18" charset="-127"/>
+                <a:ea typeface="a타이틀고딕1" panose="02020600000000000000" pitchFamily="18" charset="-127"/>
+              </a:rPr>
+              <a:t>중구 구민이면서 수강 프로그램이 </a:t>
+            </a:r>
+            <a:r>
+              <a:rPr lang="en-US" altLang="ko-KR" dirty="0">
+                <a:latin typeface="a타이틀고딕1" panose="02020600000000000000" pitchFamily="18" charset="-127"/>
+                <a:ea typeface="a타이틀고딕1" panose="02020600000000000000" pitchFamily="18" charset="-127"/>
+              </a:rPr>
+              <a:t>2</a:t>
+            </a:r>
+            <a:r>
+              <a:rPr lang="ko-KR" altLang="en-US" dirty="0">
+                <a:latin typeface="a타이틀고딕1" panose="02020600000000000000" pitchFamily="18" charset="-127"/>
+                <a:ea typeface="a타이틀고딕1" panose="02020600000000000000" pitchFamily="18" charset="-127"/>
+              </a:rPr>
+              <a:t>개 이상인 회원은 수강료 </a:t>
+            </a:r>
+            <a:r>
+              <a:rPr lang="en-US" altLang="ko-KR" dirty="0">
+                <a:latin typeface="a타이틀고딕1" panose="02020600000000000000" pitchFamily="18" charset="-127"/>
+                <a:ea typeface="a타이틀고딕1" panose="02020600000000000000" pitchFamily="18" charset="-127"/>
+              </a:rPr>
+              <a:t>10% </a:t>
+            </a:r>
+            <a:r>
+              <a:rPr lang="ko-KR" altLang="en-US" dirty="0">
+                <a:latin typeface="a타이틀고딕1" panose="02020600000000000000" pitchFamily="18" charset="-127"/>
+                <a:ea typeface="a타이틀고딕1" panose="02020600000000000000" pitchFamily="18" charset="-127"/>
+              </a:rPr>
+              <a:t>할인</a:t>
+            </a:r>
+          </a:p>
+        </p:txBody>
+      </p:sp>
+      <p:sp>
+        <p:nvSpPr>
+          <p:cNvPr id="11" name="화살표: 아래쪽 10">
+            <a:extLst>
+              <a:ext uri="{FF2B5EF4-FFF2-40B4-BE49-F238E27FC236}">
+                <a16:creationId xmlns:a16="http://schemas.microsoft.com/office/drawing/2014/main" id="{CBFADFBB-B960-4C80-B780-E2806AE3CA01}"/>
               </a:ext>
             </a:extLst>
           </p:cNvPr>
@@ -8931,8 +9325,8 @@
         </p:nvSpPr>
         <p:spPr>
           <a:xfrm>
-            <a:off x="5433658" y="2977673"/>
-            <a:ext cx="1040235" cy="481320"/>
+            <a:off x="5444032" y="3399809"/>
+            <a:ext cx="1552386" cy="533756"/>
           </a:xfrm>
           <a:prstGeom prst="downArrow">
             <a:avLst/>
@@ -8963,10 +9357,148 @@
           </a:p>
         </p:txBody>
       </p:sp>
+      <p:sp>
+        <p:nvSpPr>
+          <p:cNvPr id="12" name="직사각형 11">
+            <a:extLst>
+              <a:ext uri="{FF2B5EF4-FFF2-40B4-BE49-F238E27FC236}">
+                <a16:creationId xmlns:a16="http://schemas.microsoft.com/office/drawing/2014/main" id="{23D4F73E-93F4-4BE4-AFDD-54E72F32ECD9}"/>
+              </a:ext>
+            </a:extLst>
+          </p:cNvPr>
+          <p:cNvSpPr/>
+          <p:nvPr/>
+        </p:nvSpPr>
+        <p:spPr>
+          <a:xfrm>
+            <a:off x="0" y="3131919"/>
+            <a:ext cx="6096000" cy="923330"/>
+          </a:xfrm>
+          <a:prstGeom prst="rect">
+            <a:avLst/>
+          </a:prstGeom>
+        </p:spPr>
+        <p:txBody>
+          <a:bodyPr>
+            <a:spAutoFit/>
+          </a:bodyPr>
+          <a:lstStyle/>
+          <a:p>
+            <a:pPr>
+              <a:spcAft>
+                <a:spcPts val="0"/>
+              </a:spcAft>
+            </a:pPr>
+            <a:r>
+              <a:rPr lang="en-US" altLang="ko-KR" kern="150" dirty="0">
+                <a:latin typeface="Noto Sans CJK JP"/>
+                <a:cs typeface="Lohit Devanagari"/>
+              </a:rPr>
+              <a:t>update checking</a:t>
+            </a:r>
+            <a:endParaRPr lang="ko-KR" altLang="ko-KR" kern="150" dirty="0">
+              <a:latin typeface="Noto Sans CJK JP"/>
+              <a:cs typeface="Lohit Devanagari"/>
+            </a:endParaRPr>
+          </a:p>
+          <a:p>
+            <a:pPr>
+              <a:spcAft>
+                <a:spcPts val="0"/>
+              </a:spcAft>
+            </a:pPr>
+            <a:r>
+              <a:rPr lang="en-US" altLang="ko-KR" kern="150" dirty="0">
+                <a:latin typeface="Noto Sans CJK JP"/>
+                <a:cs typeface="Lohit Devanagari"/>
+              </a:rPr>
+              <a:t>    -&gt; set </a:t>
+            </a:r>
+            <a:r>
+              <a:rPr lang="en-US" altLang="ko-KR" kern="150" dirty="0" err="1">
+                <a:latin typeface="Noto Sans CJK JP"/>
+                <a:cs typeface="Lohit Devanagari"/>
+              </a:rPr>
+              <a:t>total_tuition</a:t>
+            </a:r>
+            <a:r>
+              <a:rPr lang="en-US" altLang="ko-KR" kern="150" dirty="0">
+                <a:latin typeface="Noto Sans CJK JP"/>
+                <a:cs typeface="Lohit Devanagari"/>
+              </a:rPr>
+              <a:t>=</a:t>
+            </a:r>
+            <a:r>
+              <a:rPr lang="en-US" altLang="ko-KR" kern="150" dirty="0" err="1">
+                <a:latin typeface="Noto Sans CJK JP"/>
+                <a:cs typeface="Lohit Devanagari"/>
+              </a:rPr>
+              <a:t>total_tuition</a:t>
+            </a:r>
+            <a:r>
+              <a:rPr lang="en-US" altLang="ko-KR" kern="150" dirty="0">
+                <a:latin typeface="Noto Sans CJK JP"/>
+                <a:cs typeface="Lohit Devanagari"/>
+              </a:rPr>
+              <a:t>*0.9</a:t>
+            </a:r>
+            <a:endParaRPr lang="ko-KR" altLang="ko-KR" kern="150" dirty="0">
+              <a:latin typeface="Noto Sans CJK JP"/>
+              <a:cs typeface="Lohit Devanagari"/>
+            </a:endParaRPr>
+          </a:p>
+          <a:p>
+            <a:pPr>
+              <a:spcAft>
+                <a:spcPts val="0"/>
+              </a:spcAft>
+            </a:pPr>
+            <a:r>
+              <a:rPr lang="en-US" altLang="ko-KR" kern="150" dirty="0">
+                <a:latin typeface="Noto Sans CJK JP"/>
+                <a:cs typeface="Lohit Devanagari"/>
+              </a:rPr>
+              <a:t>    -&gt; where </a:t>
+            </a:r>
+            <a:r>
+              <a:rPr lang="en-US" altLang="ko-KR" kern="150" dirty="0" err="1">
+                <a:latin typeface="Noto Sans CJK JP"/>
+                <a:cs typeface="Lohit Devanagari"/>
+              </a:rPr>
+              <a:t>jung_gu</a:t>
+            </a:r>
+            <a:r>
+              <a:rPr lang="en-US" altLang="ko-KR" kern="150" dirty="0">
+                <a:latin typeface="Noto Sans CJK JP"/>
+                <a:cs typeface="Lohit Devanagari"/>
+              </a:rPr>
+              <a:t>="O" AND </a:t>
+            </a:r>
+            <a:r>
+              <a:rPr lang="en-US" altLang="ko-KR" kern="150" dirty="0" err="1">
+                <a:latin typeface="Noto Sans CJK JP"/>
+                <a:cs typeface="Lohit Devanagari"/>
+              </a:rPr>
+              <a:t>numpro_cus</a:t>
+            </a:r>
+            <a:r>
+              <a:rPr lang="en-US" altLang="ko-KR" kern="150" dirty="0">
+                <a:latin typeface="Noto Sans CJK JP"/>
+                <a:cs typeface="Lohit Devanagari"/>
+              </a:rPr>
+              <a:t>&gt;=2;</a:t>
+            </a:r>
+            <a:endParaRPr lang="ko-KR" altLang="ko-KR" kern="150" dirty="0">
+              <a:latin typeface="Noto Sans CJK JP"/>
+              <a:cs typeface="Lohit Devanagari"/>
+            </a:endParaRPr>
+          </a:p>
+        </p:txBody>
+      </p:sp>
     </p:spTree>
     <p:extLst>
       <p:ext uri="{BB962C8B-B14F-4D97-AF65-F5344CB8AC3E}">
-        <p14:creationId xmlns:p14="http://schemas.microsoft.com/office/powerpoint/2010/main" val="3848321911"/>
+        <p14:creationId xmlns:p14="http://schemas.microsoft.com/office/powerpoint/2010/main" val="4023338327"/>
       </p:ext>
     </p:extLst>
   </p:cSld>
